--- a/docs/Winter/FINALDEMOPRES.pptx
+++ b/docs/Winter/FINALDEMOPRES.pptx
@@ -5,11 +5,12 @@
     <p:sldMasterId id="2147483782" r:id="rId4"/>
   </p:sldMasterIdLst>
   <p:notesMasterIdLst>
-    <p:notesMasterId r:id="rId7"/>
+    <p:notesMasterId r:id="rId8"/>
   </p:notesMasterIdLst>
   <p:sldIdLst>
     <p:sldId id="257" r:id="rId5"/>
     <p:sldId id="262" r:id="rId6"/>
+    <p:sldId id="263" r:id="rId7"/>
   </p:sldIdLst>
   <p:sldSz cx="12192000" cy="6858000"/>
   <p:notesSz cx="6858000" cy="9144000"/>
@@ -111,6 +112,9 @@
   <p:extLst>
     <p:ext uri="{EFAFB233-063F-42B5-8137-9DF3F51BA10A}">
       <p15:sldGuideLst xmlns:p15="http://schemas.microsoft.com/office/powerpoint/2012/main"/>
+    </p:ext>
+    <p:ext uri="{2D200454-40CA-4A62-9FC3-DE9A4176ACB9}">
+      <p15:notesGuideLst xmlns:p15="http://schemas.microsoft.com/office/powerpoint/2012/main"/>
     </p:ext>
   </p:extLst>
 </p:presentation>
@@ -546,6 +550,90 @@
     <p:extLst>
       <p:ext uri="{BB962C8B-B14F-4D97-AF65-F5344CB8AC3E}">
         <p14:creationId xmlns:p14="http://schemas.microsoft.com/office/powerpoint/2010/main" val="567331124"/>
+      </p:ext>
+    </p:extLst>
+  </p:cSld>
+  <p:clrMapOvr>
+    <a:masterClrMapping/>
+  </p:clrMapOvr>
+</p:notes>
+</file>
+
+<file path=ppt/notesSlides/notesSlide2.xml><?xml version="1.0" encoding="utf-8"?>
+<p:notes xmlns:a="http://schemas.openxmlformats.org/drawingml/2006/main" xmlns:r="http://schemas.openxmlformats.org/officeDocument/2006/relationships" xmlns:p="http://schemas.openxmlformats.org/presentationml/2006/main">
+  <p:cSld>
+    <p:spTree>
+      <p:nvGrpSpPr>
+        <p:cNvPr id="1" name=""/>
+        <p:cNvGrpSpPr/>
+        <p:nvPr/>
+      </p:nvGrpSpPr>
+      <p:grpSpPr>
+        <a:xfrm>
+          <a:off x="0" y="0"/>
+          <a:ext cx="0" cy="0"/>
+          <a:chOff x="0" y="0"/>
+          <a:chExt cx="0" cy="0"/>
+        </a:xfrm>
+      </p:grpSpPr>
+      <p:sp>
+        <p:nvSpPr>
+          <p:cNvPr id="2" name="Slide Image Placeholder 1"/>
+          <p:cNvSpPr>
+            <a:spLocks noGrp="1" noRot="1" noChangeAspect="1"/>
+          </p:cNvSpPr>
+          <p:nvPr>
+            <p:ph type="sldImg"/>
+          </p:nvPr>
+        </p:nvSpPr>
+        <p:spPr/>
+      </p:sp>
+      <p:sp>
+        <p:nvSpPr>
+          <p:cNvPr id="3" name="Notes Placeholder 2"/>
+          <p:cNvSpPr>
+            <a:spLocks noGrp="1"/>
+          </p:cNvSpPr>
+          <p:nvPr>
+            <p:ph type="body" idx="1"/>
+          </p:nvPr>
+        </p:nvSpPr>
+        <p:spPr/>
+        <p:txBody>
+          <a:bodyPr/>
+          <a:lstStyle/>
+          <a:p>
+            <a:endParaRPr lang="en-US"/>
+          </a:p>
+        </p:txBody>
+      </p:sp>
+      <p:sp>
+        <p:nvSpPr>
+          <p:cNvPr id="4" name="Slide Number Placeholder 3"/>
+          <p:cNvSpPr>
+            <a:spLocks noGrp="1"/>
+          </p:cNvSpPr>
+          <p:nvPr>
+            <p:ph type="sldNum" sz="quarter" idx="5"/>
+          </p:nvPr>
+        </p:nvSpPr>
+        <p:spPr/>
+        <p:txBody>
+          <a:bodyPr/>
+          <a:lstStyle/>
+          <a:p>
+            <a:fld id="{C5A04481-FF2E-40DB-9BDD-C9BCCC604956}" type="slidenum">
+              <a:rPr lang="en-US" smtClean="0"/>
+              <a:t>3</a:t>
+            </a:fld>
+            <a:endParaRPr lang="en-US"/>
+          </a:p>
+        </p:txBody>
+      </p:sp>
+    </p:spTree>
+    <p:extLst>
+      <p:ext uri="{BB962C8B-B14F-4D97-AF65-F5344CB8AC3E}">
+        <p14:creationId xmlns:p14="http://schemas.microsoft.com/office/powerpoint/2010/main" val="827038027"/>
       </p:ext>
     </p:extLst>
   </p:cSld>
@@ -23703,6 +23791,1102 @@
 </p:sld>
 </file>
 
+<file path=ppt/slides/slide3.xml><?xml version="1.0" encoding="utf-8"?>
+<p:sld xmlns:a="http://schemas.openxmlformats.org/drawingml/2006/main" xmlns:r="http://schemas.openxmlformats.org/officeDocument/2006/relationships" xmlns:p="http://schemas.openxmlformats.org/presentationml/2006/main">
+  <p:cSld>
+    <p:bg>
+      <p:bgPr>
+        <a:gradFill>
+          <a:gsLst>
+            <a:gs pos="0">
+              <a:schemeClr val="accent5">
+                <a:lumMod val="40000"/>
+                <a:lumOff val="60000"/>
+              </a:schemeClr>
+            </a:gs>
+            <a:gs pos="100000">
+              <a:schemeClr val="accent5">
+                <a:lumMod val="60000"/>
+                <a:lumOff val="40000"/>
+              </a:schemeClr>
+            </a:gs>
+          </a:gsLst>
+          <a:path path="rect">
+            <a:fillToRect l="100000" t="100000"/>
+          </a:path>
+        </a:gradFill>
+        <a:effectLst/>
+      </p:bgPr>
+    </p:bg>
+    <p:spTree>
+      <p:nvGrpSpPr>
+        <p:cNvPr id="1" name=""/>
+        <p:cNvGrpSpPr/>
+        <p:nvPr/>
+      </p:nvGrpSpPr>
+      <p:grpSpPr>
+        <a:xfrm>
+          <a:off x="0" y="0"/>
+          <a:ext cx="0" cy="0"/>
+          <a:chOff x="0" y="0"/>
+          <a:chExt cx="0" cy="0"/>
+        </a:xfrm>
+      </p:grpSpPr>
+      <p:sp>
+        <p:nvSpPr>
+          <p:cNvPr id="9" name="Content Placeholder 8">
+            <a:extLst>
+              <a:ext uri="{FF2B5EF4-FFF2-40B4-BE49-F238E27FC236}">
+                <a16:creationId xmlns:a16="http://schemas.microsoft.com/office/drawing/2014/main" id="{9019EBDA-4F12-443A-9A86-196F81C14DFC}"/>
+              </a:ext>
+            </a:extLst>
+          </p:cNvPr>
+          <p:cNvSpPr>
+            <a:spLocks noGrp="1"/>
+          </p:cNvSpPr>
+          <p:nvPr>
+            <p:ph idx="1"/>
+          </p:nvPr>
+        </p:nvSpPr>
+        <p:spPr>
+          <a:xfrm>
+            <a:off x="417576" y="301781"/>
+            <a:ext cx="4375141" cy="6438234"/>
+          </a:xfrm>
+          <a:solidFill>
+            <a:schemeClr val="accent5">
+              <a:lumMod val="40000"/>
+              <a:lumOff val="60000"/>
+            </a:schemeClr>
+          </a:solidFill>
+        </p:spPr>
+        <p:txBody>
+          <a:bodyPr vert="horz" lIns="91440" tIns="45720" rIns="91440" bIns="45720" rtlCol="0">
+            <a:normAutofit/>
+          </a:bodyPr>
+          <a:lstStyle/>
+          <a:p>
+            <a:pPr marL="128016" lvl="1" indent="0">
+              <a:buNone/>
+            </a:pPr>
+            <a:r>
+              <a:rPr lang="en-US" sz="3200" dirty="0">
+                <a:solidFill>
+                  <a:schemeClr val="accent5">
+                    <a:lumMod val="50000"/>
+                  </a:schemeClr>
+                </a:solidFill>
+                <a:latin typeface="Times New Roman" panose="02020603050405020304" pitchFamily="18" charset="0"/>
+                <a:cs typeface="Times New Roman" panose="02020603050405020304" pitchFamily="18" charset="0"/>
+              </a:rPr>
+              <a:t>Git Going</a:t>
+            </a:r>
+          </a:p>
+          <a:p>
+            <a:pPr marL="128016" lvl="1" indent="0">
+              <a:buNone/>
+            </a:pPr>
+            <a:r>
+              <a:rPr lang="en-US" sz="2200" dirty="0">
+                <a:latin typeface="Times New Roman" panose="02020603050405020304" pitchFamily="18" charset="0"/>
+                <a:cs typeface="Times New Roman" panose="02020603050405020304" pitchFamily="18" charset="0"/>
+              </a:rPr>
+              <a:t>--Some other neat stuff.</a:t>
+            </a:r>
+          </a:p>
+        </p:txBody>
+      </p:sp>
+      <p:sp>
+        <p:nvSpPr>
+          <p:cNvPr id="33" name="TextBox 32">
+            <a:extLst>
+              <a:ext uri="{FF2B5EF4-FFF2-40B4-BE49-F238E27FC236}">
+                <a16:creationId xmlns:a16="http://schemas.microsoft.com/office/drawing/2014/main" id="{E88A3D9D-75B4-4534-9A21-A39E5E23F3EB}"/>
+              </a:ext>
+            </a:extLst>
+          </p:cNvPr>
+          <p:cNvSpPr txBox="1"/>
+          <p:nvPr/>
+        </p:nvSpPr>
+        <p:spPr>
+          <a:xfrm>
+            <a:off x="948978" y="2572462"/>
+            <a:ext cx="4180070" cy="369332"/>
+          </a:xfrm>
+          <a:prstGeom prst="rect">
+            <a:avLst/>
+          </a:prstGeom>
+          <a:noFill/>
+        </p:spPr>
+        <p:txBody>
+          <a:bodyPr wrap="square" rtlCol="0">
+            <a:spAutoFit/>
+          </a:bodyPr>
+          <a:lstStyle/>
+          <a:p>
+            <a:r>
+              <a:rPr lang="en-US" dirty="0">
+                <a:latin typeface="Times New Roman" panose="02020603050405020304" pitchFamily="18" charset="0"/>
+                <a:cs typeface="Times New Roman" panose="02020603050405020304" pitchFamily="18" charset="0"/>
+              </a:rPr>
+              <a:t>Live &amp; Fully Usable Alpha Build</a:t>
+            </a:r>
+          </a:p>
+        </p:txBody>
+      </p:sp>
+      <p:sp>
+        <p:nvSpPr>
+          <p:cNvPr id="34" name="TextBox 33">
+            <a:extLst>
+              <a:ext uri="{FF2B5EF4-FFF2-40B4-BE49-F238E27FC236}">
+                <a16:creationId xmlns:a16="http://schemas.microsoft.com/office/drawing/2014/main" id="{61668E99-BECA-4099-95FE-D16BD5D54F47}"/>
+              </a:ext>
+            </a:extLst>
+          </p:cNvPr>
+          <p:cNvSpPr txBox="1"/>
+          <p:nvPr/>
+        </p:nvSpPr>
+        <p:spPr>
+          <a:xfrm>
+            <a:off x="948978" y="3125832"/>
+            <a:ext cx="4180070" cy="369332"/>
+          </a:xfrm>
+          <a:prstGeom prst="rect">
+            <a:avLst/>
+          </a:prstGeom>
+          <a:noFill/>
+        </p:spPr>
+        <p:txBody>
+          <a:bodyPr wrap="square" rtlCol="0">
+            <a:spAutoFit/>
+          </a:bodyPr>
+          <a:lstStyle/>
+          <a:p>
+            <a:r>
+              <a:rPr lang="en-US" dirty="0">
+                <a:latin typeface="Times New Roman" panose="02020603050405020304" pitchFamily="18" charset="0"/>
+                <a:cs typeface="Times New Roman" panose="02020603050405020304" pitchFamily="18" charset="0"/>
+              </a:rPr>
+              <a:t>Route 53</a:t>
+            </a:r>
+          </a:p>
+        </p:txBody>
+      </p:sp>
+      <p:sp>
+        <p:nvSpPr>
+          <p:cNvPr id="36" name="TextBox 35">
+            <a:extLst>
+              <a:ext uri="{FF2B5EF4-FFF2-40B4-BE49-F238E27FC236}">
+                <a16:creationId xmlns:a16="http://schemas.microsoft.com/office/drawing/2014/main" id="{A4E49262-4E82-4E5C-9CF5-97B161E9C881}"/>
+              </a:ext>
+            </a:extLst>
+          </p:cNvPr>
+          <p:cNvSpPr txBox="1"/>
+          <p:nvPr/>
+        </p:nvSpPr>
+        <p:spPr>
+          <a:xfrm>
+            <a:off x="948978" y="3679202"/>
+            <a:ext cx="4180070" cy="369332"/>
+          </a:xfrm>
+          <a:prstGeom prst="rect">
+            <a:avLst/>
+          </a:prstGeom>
+          <a:noFill/>
+        </p:spPr>
+        <p:txBody>
+          <a:bodyPr wrap="square" rtlCol="0">
+            <a:spAutoFit/>
+          </a:bodyPr>
+          <a:lstStyle/>
+          <a:p>
+            <a:r>
+              <a:rPr lang="en-US" dirty="0">
+                <a:latin typeface="Times New Roman" panose="02020603050405020304" pitchFamily="18" charset="0"/>
+                <a:cs typeface="Times New Roman" panose="02020603050405020304" pitchFamily="18" charset="0"/>
+              </a:rPr>
+              <a:t>Simple Storage Service (S3)</a:t>
+            </a:r>
+          </a:p>
+        </p:txBody>
+      </p:sp>
+      <p:sp>
+        <p:nvSpPr>
+          <p:cNvPr id="37" name="TextBox 36">
+            <a:extLst>
+              <a:ext uri="{FF2B5EF4-FFF2-40B4-BE49-F238E27FC236}">
+                <a16:creationId xmlns:a16="http://schemas.microsoft.com/office/drawing/2014/main" id="{ADAB1A26-F53B-4E6F-A9D0-87271DAECFB5}"/>
+              </a:ext>
+            </a:extLst>
+          </p:cNvPr>
+          <p:cNvSpPr txBox="1"/>
+          <p:nvPr/>
+        </p:nvSpPr>
+        <p:spPr>
+          <a:xfrm>
+            <a:off x="948978" y="4232572"/>
+            <a:ext cx="4180070" cy="369332"/>
+          </a:xfrm>
+          <a:prstGeom prst="rect">
+            <a:avLst/>
+          </a:prstGeom>
+          <a:noFill/>
+        </p:spPr>
+        <p:txBody>
+          <a:bodyPr wrap="square" rtlCol="0">
+            <a:spAutoFit/>
+          </a:bodyPr>
+          <a:lstStyle/>
+          <a:p>
+            <a:r>
+              <a:rPr lang="en-US" dirty="0">
+                <a:latin typeface="Times New Roman" panose="02020603050405020304" pitchFamily="18" charset="0"/>
+                <a:cs typeface="Times New Roman" panose="02020603050405020304" pitchFamily="18" charset="0"/>
+              </a:rPr>
+              <a:t>CloudFront</a:t>
+            </a:r>
+          </a:p>
+        </p:txBody>
+      </p:sp>
+      <p:pic>
+        <p:nvPicPr>
+          <p:cNvPr id="3" name="Picture 2">
+            <a:extLst>
+              <a:ext uri="{FF2B5EF4-FFF2-40B4-BE49-F238E27FC236}">
+                <a16:creationId xmlns:a16="http://schemas.microsoft.com/office/drawing/2014/main" id="{BC60CFAB-D179-4F18-90EB-99AAE114B3A4}"/>
+              </a:ext>
+            </a:extLst>
+          </p:cNvPr>
+          <p:cNvPicPr>
+            <a:picLocks noChangeAspect="1"/>
+          </p:cNvPicPr>
+          <p:nvPr/>
+        </p:nvPicPr>
+        <p:blipFill>
+          <a:blip r:embed="rId3"/>
+          <a:stretch>
+            <a:fillRect/>
+          </a:stretch>
+        </p:blipFill>
+        <p:spPr>
+          <a:xfrm>
+            <a:off x="5660450" y="1723745"/>
+            <a:ext cx="5317045" cy="3802806"/>
+          </a:xfrm>
+          <a:prstGeom prst="rect">
+            <a:avLst/>
+          </a:prstGeom>
+        </p:spPr>
+      </p:pic>
+      <p:pic>
+        <p:nvPicPr>
+          <p:cNvPr id="5" name="Picture 4">
+            <a:extLst>
+              <a:ext uri="{FF2B5EF4-FFF2-40B4-BE49-F238E27FC236}">
+                <a16:creationId xmlns:a16="http://schemas.microsoft.com/office/drawing/2014/main" id="{B5E7FB85-B94F-4D8E-BD02-1DF37184EE62}"/>
+              </a:ext>
+            </a:extLst>
+          </p:cNvPr>
+          <p:cNvPicPr>
+            <a:picLocks noChangeAspect="1"/>
+          </p:cNvPicPr>
+          <p:nvPr/>
+        </p:nvPicPr>
+        <p:blipFill>
+          <a:blip r:embed="rId4"/>
+          <a:stretch>
+            <a:fillRect/>
+          </a:stretch>
+        </p:blipFill>
+        <p:spPr>
+          <a:xfrm>
+            <a:off x="5034801" y="502423"/>
+            <a:ext cx="6411724" cy="1828800"/>
+          </a:xfrm>
+          <a:prstGeom prst="rect">
+            <a:avLst/>
+          </a:prstGeom>
+        </p:spPr>
+      </p:pic>
+      <p:pic>
+        <p:nvPicPr>
+          <p:cNvPr id="20" name="Picture 19">
+            <a:extLst>
+              <a:ext uri="{FF2B5EF4-FFF2-40B4-BE49-F238E27FC236}">
+                <a16:creationId xmlns:a16="http://schemas.microsoft.com/office/drawing/2014/main" id="{69A26F07-9935-4C17-88C2-C4A6E1498D12}"/>
+              </a:ext>
+            </a:extLst>
+          </p:cNvPr>
+          <p:cNvPicPr>
+            <a:picLocks noChangeAspect="1"/>
+          </p:cNvPicPr>
+          <p:nvPr/>
+        </p:nvPicPr>
+        <p:blipFill>
+          <a:blip r:embed="rId5"/>
+          <a:stretch>
+            <a:fillRect/>
+          </a:stretch>
+        </p:blipFill>
+        <p:spPr>
+          <a:xfrm>
+            <a:off x="5036200" y="2776276"/>
+            <a:ext cx="6410325" cy="3190875"/>
+          </a:xfrm>
+          <a:prstGeom prst="rect">
+            <a:avLst/>
+          </a:prstGeom>
+        </p:spPr>
+      </p:pic>
+      <p:pic>
+        <p:nvPicPr>
+          <p:cNvPr id="22" name="Picture 21">
+            <a:extLst>
+              <a:ext uri="{FF2B5EF4-FFF2-40B4-BE49-F238E27FC236}">
+                <a16:creationId xmlns:a16="http://schemas.microsoft.com/office/drawing/2014/main" id="{BC56B72D-7D45-417B-A3A9-5D803E631008}"/>
+              </a:ext>
+            </a:extLst>
+          </p:cNvPr>
+          <p:cNvPicPr>
+            <a:picLocks noChangeAspect="1"/>
+          </p:cNvPicPr>
+          <p:nvPr/>
+        </p:nvPicPr>
+        <p:blipFill>
+          <a:blip r:embed="rId6"/>
+          <a:stretch>
+            <a:fillRect/>
+          </a:stretch>
+        </p:blipFill>
+        <p:spPr>
+          <a:xfrm>
+            <a:off x="5034801" y="714714"/>
+            <a:ext cx="5600700" cy="5981700"/>
+          </a:xfrm>
+          <a:prstGeom prst="rect">
+            <a:avLst/>
+          </a:prstGeom>
+        </p:spPr>
+      </p:pic>
+      <p:sp>
+        <p:nvSpPr>
+          <p:cNvPr id="23" name="TextBox 22">
+            <a:extLst>
+              <a:ext uri="{FF2B5EF4-FFF2-40B4-BE49-F238E27FC236}">
+                <a16:creationId xmlns:a16="http://schemas.microsoft.com/office/drawing/2014/main" id="{F14FF53F-0DBB-42B0-AC48-7A31A5FD3380}"/>
+              </a:ext>
+            </a:extLst>
+          </p:cNvPr>
+          <p:cNvSpPr txBox="1"/>
+          <p:nvPr/>
+        </p:nvSpPr>
+        <p:spPr>
+          <a:xfrm>
+            <a:off x="5034802" y="301781"/>
+            <a:ext cx="5600700" cy="369332"/>
+          </a:xfrm>
+          <a:prstGeom prst="rect">
+            <a:avLst/>
+          </a:prstGeom>
+          <a:noFill/>
+        </p:spPr>
+        <p:txBody>
+          <a:bodyPr wrap="square" rtlCol="0">
+            <a:spAutoFit/>
+          </a:bodyPr>
+          <a:lstStyle/>
+          <a:p>
+            <a:r>
+              <a:rPr lang="en-US" b="1" dirty="0">
+                <a:latin typeface="Times New Roman" panose="02020603050405020304" pitchFamily="18" charset="0"/>
+                <a:cs typeface="Times New Roman" panose="02020603050405020304" pitchFamily="18" charset="0"/>
+              </a:rPr>
+              <a:t>Despite the name, this is no simple test run.</a:t>
+            </a:r>
+          </a:p>
+        </p:txBody>
+      </p:sp>
+      <p:pic>
+        <p:nvPicPr>
+          <p:cNvPr id="25" name="Picture 24">
+            <a:extLst>
+              <a:ext uri="{FF2B5EF4-FFF2-40B4-BE49-F238E27FC236}">
+                <a16:creationId xmlns:a16="http://schemas.microsoft.com/office/drawing/2014/main" id="{440EBBAA-BE3D-48F5-9072-B2DDE9D8C83E}"/>
+              </a:ext>
+            </a:extLst>
+          </p:cNvPr>
+          <p:cNvPicPr>
+            <a:picLocks noChangeAspect="1"/>
+          </p:cNvPicPr>
+          <p:nvPr/>
+        </p:nvPicPr>
+        <p:blipFill>
+          <a:blip r:embed="rId7"/>
+          <a:stretch>
+            <a:fillRect/>
+          </a:stretch>
+        </p:blipFill>
+        <p:spPr>
+          <a:xfrm>
+            <a:off x="5033400" y="728404"/>
+            <a:ext cx="6411725" cy="1693451"/>
+          </a:xfrm>
+          <a:prstGeom prst="rect">
+            <a:avLst/>
+          </a:prstGeom>
+        </p:spPr>
+      </p:pic>
+      <p:pic>
+        <p:nvPicPr>
+          <p:cNvPr id="27" name="Picture 26">
+            <a:extLst>
+              <a:ext uri="{FF2B5EF4-FFF2-40B4-BE49-F238E27FC236}">
+                <a16:creationId xmlns:a16="http://schemas.microsoft.com/office/drawing/2014/main" id="{D7F2F783-91E8-465A-A3E6-1E1B52C6DC34}"/>
+              </a:ext>
+            </a:extLst>
+          </p:cNvPr>
+          <p:cNvPicPr>
+            <a:picLocks noChangeAspect="1"/>
+          </p:cNvPicPr>
+          <p:nvPr/>
+        </p:nvPicPr>
+        <p:blipFill>
+          <a:blip r:embed="rId8"/>
+          <a:stretch>
+            <a:fillRect/>
+          </a:stretch>
+        </p:blipFill>
+        <p:spPr>
+          <a:xfrm>
+            <a:off x="5033400" y="3137911"/>
+            <a:ext cx="6410325" cy="1752600"/>
+          </a:xfrm>
+          <a:prstGeom prst="rect">
+            <a:avLst/>
+          </a:prstGeom>
+        </p:spPr>
+      </p:pic>
+      <p:sp>
+        <p:nvSpPr>
+          <p:cNvPr id="28" name="TextBox 27">
+            <a:extLst>
+              <a:ext uri="{FF2B5EF4-FFF2-40B4-BE49-F238E27FC236}">
+                <a16:creationId xmlns:a16="http://schemas.microsoft.com/office/drawing/2014/main" id="{969ABAEF-E8FA-4C1F-9494-21F855D69BC8}"/>
+              </a:ext>
+            </a:extLst>
+          </p:cNvPr>
+          <p:cNvSpPr txBox="1"/>
+          <p:nvPr/>
+        </p:nvSpPr>
+        <p:spPr>
+          <a:xfrm>
+            <a:off x="5129048" y="5144877"/>
+            <a:ext cx="5748537" cy="369332"/>
+          </a:xfrm>
+          <a:prstGeom prst="rect">
+            <a:avLst/>
+          </a:prstGeom>
+          <a:noFill/>
+        </p:spPr>
+        <p:txBody>
+          <a:bodyPr wrap="square" rtlCol="0">
+            <a:spAutoFit/>
+          </a:bodyPr>
+          <a:lstStyle/>
+          <a:p>
+            <a:r>
+              <a:rPr lang="en-US" b="1" dirty="0">
+                <a:latin typeface="Times New Roman" panose="02020603050405020304" pitchFamily="18" charset="0"/>
+                <a:cs typeface="Times New Roman" panose="02020603050405020304" pitchFamily="18" charset="0"/>
+              </a:rPr>
+              <a:t>*In a finished build, caching can be enabled</a:t>
+            </a:r>
+          </a:p>
+        </p:txBody>
+      </p:sp>
+    </p:spTree>
+    <p:extLst>
+      <p:ext uri="{BB962C8B-B14F-4D97-AF65-F5344CB8AC3E}">
+        <p14:creationId xmlns:p14="http://schemas.microsoft.com/office/powerpoint/2010/main" val="1602158155"/>
+      </p:ext>
+    </p:extLst>
+  </p:cSld>
+  <p:clrMapOvr>
+    <a:masterClrMapping/>
+  </p:clrMapOvr>
+  <p:timing>
+    <p:tnLst>
+      <p:par>
+        <p:cTn id="1" dur="indefinite" restart="never" nodeType="tmRoot">
+          <p:childTnLst>
+            <p:seq concurrent="1" nextAc="seek">
+              <p:cTn id="2" dur="indefinite" nodeType="mainSeq">
+                <p:childTnLst>
+                  <p:par>
+                    <p:cTn id="3" fill="hold">
+                      <p:stCondLst>
+                        <p:cond delay="indefinite"/>
+                      </p:stCondLst>
+                      <p:childTnLst>
+                        <p:par>
+                          <p:cTn id="4" fill="hold">
+                            <p:stCondLst>
+                              <p:cond delay="0"/>
+                            </p:stCondLst>
+                            <p:childTnLst>
+                              <p:par>
+                                <p:cTn id="5" presetID="1" presetClass="entr" presetSubtype="0" fill="hold" grpId="0" nodeType="clickEffect">
+                                  <p:stCondLst>
+                                    <p:cond delay="0"/>
+                                  </p:stCondLst>
+                                  <p:childTnLst>
+                                    <p:set>
+                                      <p:cBhvr>
+                                        <p:cTn id="6" dur="1" fill="hold">
+                                          <p:stCondLst>
+                                            <p:cond delay="0"/>
+                                          </p:stCondLst>
+                                        </p:cTn>
+                                        <p:tgtEl>
+                                          <p:spTgt spid="33"/>
+                                        </p:tgtEl>
+                                        <p:attrNameLst>
+                                          <p:attrName>style.visibility</p:attrName>
+                                        </p:attrNameLst>
+                                      </p:cBhvr>
+                                      <p:to>
+                                        <p:strVal val="visible"/>
+                                      </p:to>
+                                    </p:set>
+                                  </p:childTnLst>
+                                </p:cTn>
+                              </p:par>
+                              <p:par>
+                                <p:cTn id="7" presetID="1" presetClass="entr" presetSubtype="0" fill="hold" nodeType="withEffect">
+                                  <p:stCondLst>
+                                    <p:cond delay="0"/>
+                                  </p:stCondLst>
+                                  <p:childTnLst>
+                                    <p:set>
+                                      <p:cBhvr>
+                                        <p:cTn id="8" dur="1" fill="hold">
+                                          <p:stCondLst>
+                                            <p:cond delay="0"/>
+                                          </p:stCondLst>
+                                        </p:cTn>
+                                        <p:tgtEl>
+                                          <p:spTgt spid="3"/>
+                                        </p:tgtEl>
+                                        <p:attrNameLst>
+                                          <p:attrName>style.visibility</p:attrName>
+                                        </p:attrNameLst>
+                                      </p:cBhvr>
+                                      <p:to>
+                                        <p:strVal val="visible"/>
+                                      </p:to>
+                                    </p:set>
+                                  </p:childTnLst>
+                                </p:cTn>
+                              </p:par>
+                            </p:childTnLst>
+                          </p:cTn>
+                        </p:par>
+                      </p:childTnLst>
+                    </p:cTn>
+                  </p:par>
+                  <p:par>
+                    <p:cTn id="9" fill="hold">
+                      <p:stCondLst>
+                        <p:cond delay="indefinite"/>
+                      </p:stCondLst>
+                      <p:childTnLst>
+                        <p:par>
+                          <p:cTn id="10" fill="hold">
+                            <p:stCondLst>
+                              <p:cond delay="0"/>
+                            </p:stCondLst>
+                            <p:childTnLst>
+                              <p:par>
+                                <p:cTn id="11" presetID="1" presetClass="exit" presetSubtype="0" fill="hold" nodeType="clickEffect">
+                                  <p:stCondLst>
+                                    <p:cond delay="0"/>
+                                  </p:stCondLst>
+                                  <p:childTnLst>
+                                    <p:set>
+                                      <p:cBhvr>
+                                        <p:cTn id="12" dur="1" fill="hold">
+                                          <p:stCondLst>
+                                            <p:cond delay="0"/>
+                                          </p:stCondLst>
+                                        </p:cTn>
+                                        <p:tgtEl>
+                                          <p:spTgt spid="3"/>
+                                        </p:tgtEl>
+                                        <p:attrNameLst>
+                                          <p:attrName>style.visibility</p:attrName>
+                                        </p:attrNameLst>
+                                      </p:cBhvr>
+                                      <p:to>
+                                        <p:strVal val="hidden"/>
+                                      </p:to>
+                                    </p:set>
+                                  </p:childTnLst>
+                                </p:cTn>
+                              </p:par>
+                              <p:par>
+                                <p:cTn id="13" presetID="1" presetClass="entr" presetSubtype="0" fill="hold" nodeType="withEffect">
+                                  <p:stCondLst>
+                                    <p:cond delay="0"/>
+                                  </p:stCondLst>
+                                  <p:childTnLst>
+                                    <p:set>
+                                      <p:cBhvr>
+                                        <p:cTn id="14" dur="1" fill="hold">
+                                          <p:stCondLst>
+                                            <p:cond delay="0"/>
+                                          </p:stCondLst>
+                                        </p:cTn>
+                                        <p:tgtEl>
+                                          <p:spTgt spid="20"/>
+                                        </p:tgtEl>
+                                        <p:attrNameLst>
+                                          <p:attrName>style.visibility</p:attrName>
+                                        </p:attrNameLst>
+                                      </p:cBhvr>
+                                      <p:to>
+                                        <p:strVal val="visible"/>
+                                      </p:to>
+                                    </p:set>
+                                  </p:childTnLst>
+                                </p:cTn>
+                              </p:par>
+                              <p:par>
+                                <p:cTn id="15" presetID="1" presetClass="entr" presetSubtype="0" fill="hold" nodeType="withEffect">
+                                  <p:stCondLst>
+                                    <p:cond delay="0"/>
+                                  </p:stCondLst>
+                                  <p:childTnLst>
+                                    <p:set>
+                                      <p:cBhvr>
+                                        <p:cTn id="16" dur="1" fill="hold">
+                                          <p:stCondLst>
+                                            <p:cond delay="0"/>
+                                          </p:stCondLst>
+                                        </p:cTn>
+                                        <p:tgtEl>
+                                          <p:spTgt spid="5"/>
+                                        </p:tgtEl>
+                                        <p:attrNameLst>
+                                          <p:attrName>style.visibility</p:attrName>
+                                        </p:attrNameLst>
+                                      </p:cBhvr>
+                                      <p:to>
+                                        <p:strVal val="visible"/>
+                                      </p:to>
+                                    </p:set>
+                                  </p:childTnLst>
+                                </p:cTn>
+                              </p:par>
+                              <p:par>
+                                <p:cTn id="17" presetID="1" presetClass="entr" presetSubtype="0" fill="hold" grpId="0" nodeType="withEffect">
+                                  <p:stCondLst>
+                                    <p:cond delay="0"/>
+                                  </p:stCondLst>
+                                  <p:childTnLst>
+                                    <p:set>
+                                      <p:cBhvr>
+                                        <p:cTn id="18" dur="1" fill="hold">
+                                          <p:stCondLst>
+                                            <p:cond delay="0"/>
+                                          </p:stCondLst>
+                                        </p:cTn>
+                                        <p:tgtEl>
+                                          <p:spTgt spid="34"/>
+                                        </p:tgtEl>
+                                        <p:attrNameLst>
+                                          <p:attrName>style.visibility</p:attrName>
+                                        </p:attrNameLst>
+                                      </p:cBhvr>
+                                      <p:to>
+                                        <p:strVal val="visible"/>
+                                      </p:to>
+                                    </p:set>
+                                  </p:childTnLst>
+                                </p:cTn>
+                              </p:par>
+                            </p:childTnLst>
+                          </p:cTn>
+                        </p:par>
+                      </p:childTnLst>
+                    </p:cTn>
+                  </p:par>
+                  <p:par>
+                    <p:cTn id="19" fill="hold">
+                      <p:stCondLst>
+                        <p:cond delay="indefinite"/>
+                      </p:stCondLst>
+                      <p:childTnLst>
+                        <p:par>
+                          <p:cTn id="20" fill="hold">
+                            <p:stCondLst>
+                              <p:cond delay="0"/>
+                            </p:stCondLst>
+                            <p:childTnLst>
+                              <p:par>
+                                <p:cTn id="21" presetID="1" presetClass="exit" presetSubtype="0" fill="hold" nodeType="clickEffect">
+                                  <p:stCondLst>
+                                    <p:cond delay="0"/>
+                                  </p:stCondLst>
+                                  <p:childTnLst>
+                                    <p:set>
+                                      <p:cBhvr>
+                                        <p:cTn id="22" dur="1" fill="hold">
+                                          <p:stCondLst>
+                                            <p:cond delay="0"/>
+                                          </p:stCondLst>
+                                        </p:cTn>
+                                        <p:tgtEl>
+                                          <p:spTgt spid="20"/>
+                                        </p:tgtEl>
+                                        <p:attrNameLst>
+                                          <p:attrName>style.visibility</p:attrName>
+                                        </p:attrNameLst>
+                                      </p:cBhvr>
+                                      <p:to>
+                                        <p:strVal val="hidden"/>
+                                      </p:to>
+                                    </p:set>
+                                  </p:childTnLst>
+                                </p:cTn>
+                              </p:par>
+                              <p:par>
+                                <p:cTn id="23" presetID="1" presetClass="exit" presetSubtype="0" fill="hold" nodeType="withEffect">
+                                  <p:stCondLst>
+                                    <p:cond delay="0"/>
+                                  </p:stCondLst>
+                                  <p:childTnLst>
+                                    <p:set>
+                                      <p:cBhvr>
+                                        <p:cTn id="24" dur="1" fill="hold">
+                                          <p:stCondLst>
+                                            <p:cond delay="0"/>
+                                          </p:stCondLst>
+                                        </p:cTn>
+                                        <p:tgtEl>
+                                          <p:spTgt spid="5"/>
+                                        </p:tgtEl>
+                                        <p:attrNameLst>
+                                          <p:attrName>style.visibility</p:attrName>
+                                        </p:attrNameLst>
+                                      </p:cBhvr>
+                                      <p:to>
+                                        <p:strVal val="hidden"/>
+                                      </p:to>
+                                    </p:set>
+                                  </p:childTnLst>
+                                </p:cTn>
+                              </p:par>
+                              <p:par>
+                                <p:cTn id="25" presetID="1" presetClass="entr" presetSubtype="0" fill="hold" grpId="0" nodeType="withEffect">
+                                  <p:stCondLst>
+                                    <p:cond delay="0"/>
+                                  </p:stCondLst>
+                                  <p:childTnLst>
+                                    <p:set>
+                                      <p:cBhvr>
+                                        <p:cTn id="26" dur="1" fill="hold">
+                                          <p:stCondLst>
+                                            <p:cond delay="0"/>
+                                          </p:stCondLst>
+                                        </p:cTn>
+                                        <p:tgtEl>
+                                          <p:spTgt spid="23"/>
+                                        </p:tgtEl>
+                                        <p:attrNameLst>
+                                          <p:attrName>style.visibility</p:attrName>
+                                        </p:attrNameLst>
+                                      </p:cBhvr>
+                                      <p:to>
+                                        <p:strVal val="visible"/>
+                                      </p:to>
+                                    </p:set>
+                                  </p:childTnLst>
+                                </p:cTn>
+                              </p:par>
+                              <p:par>
+                                <p:cTn id="27" presetID="1" presetClass="entr" presetSubtype="0" fill="hold" nodeType="withEffect">
+                                  <p:stCondLst>
+                                    <p:cond delay="0"/>
+                                  </p:stCondLst>
+                                  <p:childTnLst>
+                                    <p:set>
+                                      <p:cBhvr>
+                                        <p:cTn id="28" dur="1" fill="hold">
+                                          <p:stCondLst>
+                                            <p:cond delay="0"/>
+                                          </p:stCondLst>
+                                        </p:cTn>
+                                        <p:tgtEl>
+                                          <p:spTgt spid="22"/>
+                                        </p:tgtEl>
+                                        <p:attrNameLst>
+                                          <p:attrName>style.visibility</p:attrName>
+                                        </p:attrNameLst>
+                                      </p:cBhvr>
+                                      <p:to>
+                                        <p:strVal val="visible"/>
+                                      </p:to>
+                                    </p:set>
+                                  </p:childTnLst>
+                                </p:cTn>
+                              </p:par>
+                              <p:par>
+                                <p:cTn id="29" presetID="1" presetClass="entr" presetSubtype="0" fill="hold" grpId="0" nodeType="withEffect">
+                                  <p:stCondLst>
+                                    <p:cond delay="0"/>
+                                  </p:stCondLst>
+                                  <p:childTnLst>
+                                    <p:set>
+                                      <p:cBhvr>
+                                        <p:cTn id="30" dur="1" fill="hold">
+                                          <p:stCondLst>
+                                            <p:cond delay="0"/>
+                                          </p:stCondLst>
+                                        </p:cTn>
+                                        <p:tgtEl>
+                                          <p:spTgt spid="36"/>
+                                        </p:tgtEl>
+                                        <p:attrNameLst>
+                                          <p:attrName>style.visibility</p:attrName>
+                                        </p:attrNameLst>
+                                      </p:cBhvr>
+                                      <p:to>
+                                        <p:strVal val="visible"/>
+                                      </p:to>
+                                    </p:set>
+                                  </p:childTnLst>
+                                </p:cTn>
+                              </p:par>
+                            </p:childTnLst>
+                          </p:cTn>
+                        </p:par>
+                      </p:childTnLst>
+                    </p:cTn>
+                  </p:par>
+                  <p:par>
+                    <p:cTn id="31" fill="hold">
+                      <p:stCondLst>
+                        <p:cond delay="indefinite"/>
+                      </p:stCondLst>
+                      <p:childTnLst>
+                        <p:par>
+                          <p:cTn id="32" fill="hold">
+                            <p:stCondLst>
+                              <p:cond delay="0"/>
+                            </p:stCondLst>
+                            <p:childTnLst>
+                              <p:par>
+                                <p:cTn id="33" presetID="1" presetClass="exit" presetSubtype="0" fill="hold" grpId="1" nodeType="clickEffect">
+                                  <p:stCondLst>
+                                    <p:cond delay="0"/>
+                                  </p:stCondLst>
+                                  <p:childTnLst>
+                                    <p:set>
+                                      <p:cBhvr>
+                                        <p:cTn id="34" dur="1" fill="hold">
+                                          <p:stCondLst>
+                                            <p:cond delay="0"/>
+                                          </p:stCondLst>
+                                        </p:cTn>
+                                        <p:tgtEl>
+                                          <p:spTgt spid="23"/>
+                                        </p:tgtEl>
+                                        <p:attrNameLst>
+                                          <p:attrName>style.visibility</p:attrName>
+                                        </p:attrNameLst>
+                                      </p:cBhvr>
+                                      <p:to>
+                                        <p:strVal val="hidden"/>
+                                      </p:to>
+                                    </p:set>
+                                  </p:childTnLst>
+                                </p:cTn>
+                              </p:par>
+                              <p:par>
+                                <p:cTn id="35" presetID="1" presetClass="exit" presetSubtype="0" fill="hold" nodeType="withEffect">
+                                  <p:stCondLst>
+                                    <p:cond delay="0"/>
+                                  </p:stCondLst>
+                                  <p:childTnLst>
+                                    <p:set>
+                                      <p:cBhvr>
+                                        <p:cTn id="36" dur="1" fill="hold">
+                                          <p:stCondLst>
+                                            <p:cond delay="0"/>
+                                          </p:stCondLst>
+                                        </p:cTn>
+                                        <p:tgtEl>
+                                          <p:spTgt spid="22"/>
+                                        </p:tgtEl>
+                                        <p:attrNameLst>
+                                          <p:attrName>style.visibility</p:attrName>
+                                        </p:attrNameLst>
+                                      </p:cBhvr>
+                                      <p:to>
+                                        <p:strVal val="hidden"/>
+                                      </p:to>
+                                    </p:set>
+                                  </p:childTnLst>
+                                </p:cTn>
+                              </p:par>
+                              <p:par>
+                                <p:cTn id="37" presetID="1" presetClass="entr" presetSubtype="0" fill="hold" grpId="0" nodeType="withEffect">
+                                  <p:stCondLst>
+                                    <p:cond delay="0"/>
+                                  </p:stCondLst>
+                                  <p:childTnLst>
+                                    <p:set>
+                                      <p:cBhvr>
+                                        <p:cTn id="38" dur="1" fill="hold">
+                                          <p:stCondLst>
+                                            <p:cond delay="0"/>
+                                          </p:stCondLst>
+                                        </p:cTn>
+                                        <p:tgtEl>
+                                          <p:spTgt spid="28"/>
+                                        </p:tgtEl>
+                                        <p:attrNameLst>
+                                          <p:attrName>style.visibility</p:attrName>
+                                        </p:attrNameLst>
+                                      </p:cBhvr>
+                                      <p:to>
+                                        <p:strVal val="visible"/>
+                                      </p:to>
+                                    </p:set>
+                                  </p:childTnLst>
+                                </p:cTn>
+                              </p:par>
+                              <p:par>
+                                <p:cTn id="39" presetID="1" presetClass="entr" presetSubtype="0" fill="hold" nodeType="withEffect">
+                                  <p:stCondLst>
+                                    <p:cond delay="0"/>
+                                  </p:stCondLst>
+                                  <p:childTnLst>
+                                    <p:set>
+                                      <p:cBhvr>
+                                        <p:cTn id="40" dur="1" fill="hold">
+                                          <p:stCondLst>
+                                            <p:cond delay="0"/>
+                                          </p:stCondLst>
+                                        </p:cTn>
+                                        <p:tgtEl>
+                                          <p:spTgt spid="27"/>
+                                        </p:tgtEl>
+                                        <p:attrNameLst>
+                                          <p:attrName>style.visibility</p:attrName>
+                                        </p:attrNameLst>
+                                      </p:cBhvr>
+                                      <p:to>
+                                        <p:strVal val="visible"/>
+                                      </p:to>
+                                    </p:set>
+                                  </p:childTnLst>
+                                </p:cTn>
+                              </p:par>
+                              <p:par>
+                                <p:cTn id="41" presetID="1" presetClass="entr" presetSubtype="0" fill="hold" nodeType="withEffect">
+                                  <p:stCondLst>
+                                    <p:cond delay="0"/>
+                                  </p:stCondLst>
+                                  <p:childTnLst>
+                                    <p:set>
+                                      <p:cBhvr>
+                                        <p:cTn id="42" dur="1" fill="hold">
+                                          <p:stCondLst>
+                                            <p:cond delay="0"/>
+                                          </p:stCondLst>
+                                        </p:cTn>
+                                        <p:tgtEl>
+                                          <p:spTgt spid="25"/>
+                                        </p:tgtEl>
+                                        <p:attrNameLst>
+                                          <p:attrName>style.visibility</p:attrName>
+                                        </p:attrNameLst>
+                                      </p:cBhvr>
+                                      <p:to>
+                                        <p:strVal val="visible"/>
+                                      </p:to>
+                                    </p:set>
+                                  </p:childTnLst>
+                                </p:cTn>
+                              </p:par>
+                              <p:par>
+                                <p:cTn id="43" presetID="1" presetClass="entr" presetSubtype="0" fill="hold" grpId="0" nodeType="withEffect">
+                                  <p:stCondLst>
+                                    <p:cond delay="0"/>
+                                  </p:stCondLst>
+                                  <p:childTnLst>
+                                    <p:set>
+                                      <p:cBhvr>
+                                        <p:cTn id="44" dur="1" fill="hold">
+                                          <p:stCondLst>
+                                            <p:cond delay="0"/>
+                                          </p:stCondLst>
+                                        </p:cTn>
+                                        <p:tgtEl>
+                                          <p:spTgt spid="37"/>
+                                        </p:tgtEl>
+                                        <p:attrNameLst>
+                                          <p:attrName>style.visibility</p:attrName>
+                                        </p:attrNameLst>
+                                      </p:cBhvr>
+                                      <p:to>
+                                        <p:strVal val="visible"/>
+                                      </p:to>
+                                    </p:set>
+                                  </p:childTnLst>
+                                </p:cTn>
+                              </p:par>
+                            </p:childTnLst>
+                          </p:cTn>
+                        </p:par>
+                      </p:childTnLst>
+                    </p:cTn>
+                  </p:par>
+                </p:childTnLst>
+              </p:cTn>
+              <p:prevCondLst>
+                <p:cond evt="onPrev" delay="0">
+                  <p:tgtEl>
+                    <p:sldTgt/>
+                  </p:tgtEl>
+                </p:cond>
+              </p:prevCondLst>
+              <p:nextCondLst>
+                <p:cond evt="onNext" delay="0">
+                  <p:tgtEl>
+                    <p:sldTgt/>
+                  </p:tgtEl>
+                </p:cond>
+              </p:nextCondLst>
+            </p:seq>
+          </p:childTnLst>
+        </p:cTn>
+      </p:par>
+    </p:tnLst>
+    <p:bldLst>
+      <p:bldP spid="33" grpId="0"/>
+      <p:bldP spid="34" grpId="0"/>
+      <p:bldP spid="36" grpId="0"/>
+      <p:bldP spid="37" grpId="0"/>
+      <p:bldP spid="23" grpId="0"/>
+      <p:bldP spid="23" grpId="1"/>
+      <p:bldP spid="28" grpId="0"/>
+    </p:bldLst>
+  </p:timing>
+</p:sld>
+</file>
+
 <file path=ppt/theme/theme1.xml><?xml version="1.0" encoding="utf-8"?>
 <a:theme xmlns:a="http://schemas.openxmlformats.org/drawingml/2006/main" name="Integral">
   <a:themeElements>
@@ -24267,12 +25451,12 @@
 </file>
 
 <file path=customXml/item1.xml><?xml version="1.0" encoding="utf-8"?>
-<?mso-contentType ?>
-<FormTemplates xmlns="http://schemas.microsoft.com/sharepoint/v3/contenttype/forms">
-  <Display>DocumentLibraryForm</Display>
-  <Edit>DocumentLibraryForm</Edit>
-  <New>DocumentLibraryForm</New>
-</FormTemplates>
+<p:properties xmlns:p="http://schemas.microsoft.com/office/2006/metadata/properties" xmlns:xsi="http://www.w3.org/2001/XMLSchema-instance" xmlns:pc="http://schemas.microsoft.com/office/infopath/2007/PartnerControls">
+  <documentManagement>
+    <Status xmlns="71af3243-3dd4-4a8d-8c0d-dd76da1f02a5">Not started</Status>
+    <MediaServiceKeyPoints xmlns="71af3243-3dd4-4a8d-8c0d-dd76da1f02a5" xsi:nil="true"/>
+  </documentManagement>
+</p:properties>
 </file>
 
 <file path=customXml/item2.xml><?xml version="1.0" encoding="utf-8"?>
@@ -24497,18 +25681,20 @@
 </file>
 
 <file path=customXml/item3.xml><?xml version="1.0" encoding="utf-8"?>
-<p:properties xmlns:p="http://schemas.microsoft.com/office/2006/metadata/properties" xmlns:xsi="http://www.w3.org/2001/XMLSchema-instance" xmlns:pc="http://schemas.microsoft.com/office/infopath/2007/PartnerControls">
-  <documentManagement>
-    <Status xmlns="71af3243-3dd4-4a8d-8c0d-dd76da1f02a5">Not started</Status>
-    <MediaServiceKeyPoints xmlns="71af3243-3dd4-4a8d-8c0d-dd76da1f02a5" xsi:nil="true"/>
-  </documentManagement>
-</p:properties>
+<?mso-contentType ?>
+<FormTemplates xmlns="http://schemas.microsoft.com/sharepoint/v3/contenttype/forms">
+  <Display>DocumentLibraryForm</Display>
+  <Edit>DocumentLibraryForm</Edit>
+  <New>DocumentLibraryForm</New>
+</FormTemplates>
 </file>
 
 <file path=customXml/itemProps1.xml><?xml version="1.0" encoding="utf-8"?>
-<ds:datastoreItem xmlns:ds="http://schemas.openxmlformats.org/officeDocument/2006/customXml" ds:itemID="{CDB58277-F8DF-46FF-84EC-EF41B835E69F}">
+<ds:datastoreItem xmlns:ds="http://schemas.openxmlformats.org/officeDocument/2006/customXml" ds:itemID="{137651BA-F45C-4845-9AB3-E0A65B39F5E1}">
   <ds:schemaRefs>
-    <ds:schemaRef ds:uri="http://schemas.microsoft.com/sharepoint/v3/contenttype/forms"/>
+    <ds:schemaRef ds:uri="http://schemas.microsoft.com/office/2006/metadata/properties"/>
+    <ds:schemaRef ds:uri="http://schemas.microsoft.com/office/infopath/2007/PartnerControls"/>
+    <ds:schemaRef ds:uri="71af3243-3dd4-4a8d-8c0d-dd76da1f02a5"/>
   </ds:schemaRefs>
 </ds:datastoreItem>
 </file>
@@ -24533,11 +25719,9 @@
 </file>
 
 <file path=customXml/itemProps3.xml><?xml version="1.0" encoding="utf-8"?>
-<ds:datastoreItem xmlns:ds="http://schemas.openxmlformats.org/officeDocument/2006/customXml" ds:itemID="{137651BA-F45C-4845-9AB3-E0A65B39F5E1}">
+<ds:datastoreItem xmlns:ds="http://schemas.openxmlformats.org/officeDocument/2006/customXml" ds:itemID="{CDB58277-F8DF-46FF-84EC-EF41B835E69F}">
   <ds:schemaRefs>
-    <ds:schemaRef ds:uri="http://schemas.microsoft.com/office/2006/metadata/properties"/>
-    <ds:schemaRef ds:uri="http://schemas.microsoft.com/office/infopath/2007/PartnerControls"/>
-    <ds:schemaRef ds:uri="71af3243-3dd4-4a8d-8c0d-dd76da1f02a5"/>
+    <ds:schemaRef ds:uri="http://schemas.microsoft.com/sharepoint/v3/contenttype/forms"/>
   </ds:schemaRefs>
 </ds:datastoreItem>
 </file>
--- a/docs/Winter/FINALDEMOPRES.pptx
+++ b/docs/Winter/FINALDEMOPRES.pptx
@@ -5,12 +5,14 @@
     <p:sldMasterId id="2147483782" r:id="rId4"/>
   </p:sldMasterIdLst>
   <p:notesMasterIdLst>
-    <p:notesMasterId r:id="rId8"/>
+    <p:notesMasterId r:id="rId10"/>
   </p:notesMasterIdLst>
   <p:sldIdLst>
     <p:sldId id="257" r:id="rId5"/>
     <p:sldId id="262" r:id="rId6"/>
     <p:sldId id="263" r:id="rId7"/>
+    <p:sldId id="264" r:id="rId8"/>
+    <p:sldId id="265" r:id="rId9"/>
   </p:sldIdLst>
   <p:sldSz cx="12192000" cy="6858000"/>
   <p:notesSz cx="6858000" cy="9144000"/>
@@ -208,7 +210,7 @@
           <a:p>
             <a:fld id="{3FA5A30B-B2E4-4067-8D2A-32F0D9E245A1}" type="datetimeFigureOut">
               <a:rPr lang="en-US" smtClean="0"/>
-              <a:t>3/16/2021</a:t>
+              <a:t>3/17/2021</a:t>
             </a:fld>
             <a:endParaRPr lang="en-US"/>
           </a:p>
@@ -643,6 +645,174 @@
 </p:notes>
 </file>
 
+<file path=ppt/notesSlides/notesSlide3.xml><?xml version="1.0" encoding="utf-8"?>
+<p:notes xmlns:a="http://schemas.openxmlformats.org/drawingml/2006/main" xmlns:r="http://schemas.openxmlformats.org/officeDocument/2006/relationships" xmlns:p="http://schemas.openxmlformats.org/presentationml/2006/main">
+  <p:cSld>
+    <p:spTree>
+      <p:nvGrpSpPr>
+        <p:cNvPr id="1" name=""/>
+        <p:cNvGrpSpPr/>
+        <p:nvPr/>
+      </p:nvGrpSpPr>
+      <p:grpSpPr>
+        <a:xfrm>
+          <a:off x="0" y="0"/>
+          <a:ext cx="0" cy="0"/>
+          <a:chOff x="0" y="0"/>
+          <a:chExt cx="0" cy="0"/>
+        </a:xfrm>
+      </p:grpSpPr>
+      <p:sp>
+        <p:nvSpPr>
+          <p:cNvPr id="2" name="Slide Image Placeholder 1"/>
+          <p:cNvSpPr>
+            <a:spLocks noGrp="1" noRot="1" noChangeAspect="1"/>
+          </p:cNvSpPr>
+          <p:nvPr>
+            <p:ph type="sldImg"/>
+          </p:nvPr>
+        </p:nvSpPr>
+        <p:spPr/>
+      </p:sp>
+      <p:sp>
+        <p:nvSpPr>
+          <p:cNvPr id="3" name="Notes Placeholder 2"/>
+          <p:cNvSpPr>
+            <a:spLocks noGrp="1"/>
+          </p:cNvSpPr>
+          <p:nvPr>
+            <p:ph type="body" idx="1"/>
+          </p:nvPr>
+        </p:nvSpPr>
+        <p:spPr/>
+        <p:txBody>
+          <a:bodyPr/>
+          <a:lstStyle/>
+          <a:p>
+            <a:endParaRPr lang="en-US"/>
+          </a:p>
+        </p:txBody>
+      </p:sp>
+      <p:sp>
+        <p:nvSpPr>
+          <p:cNvPr id="4" name="Slide Number Placeholder 3"/>
+          <p:cNvSpPr>
+            <a:spLocks noGrp="1"/>
+          </p:cNvSpPr>
+          <p:nvPr>
+            <p:ph type="sldNum" sz="quarter" idx="5"/>
+          </p:nvPr>
+        </p:nvSpPr>
+        <p:spPr/>
+        <p:txBody>
+          <a:bodyPr/>
+          <a:lstStyle/>
+          <a:p>
+            <a:fld id="{C5A04481-FF2E-40DB-9BDD-C9BCCC604956}" type="slidenum">
+              <a:rPr lang="en-US" smtClean="0"/>
+              <a:t>4</a:t>
+            </a:fld>
+            <a:endParaRPr lang="en-US"/>
+          </a:p>
+        </p:txBody>
+      </p:sp>
+    </p:spTree>
+    <p:extLst>
+      <p:ext uri="{BB962C8B-B14F-4D97-AF65-F5344CB8AC3E}">
+        <p14:creationId xmlns:p14="http://schemas.microsoft.com/office/powerpoint/2010/main" val="1144093371"/>
+      </p:ext>
+    </p:extLst>
+  </p:cSld>
+  <p:clrMapOvr>
+    <a:masterClrMapping/>
+  </p:clrMapOvr>
+</p:notes>
+</file>
+
+<file path=ppt/notesSlides/notesSlide4.xml><?xml version="1.0" encoding="utf-8"?>
+<p:notes xmlns:a="http://schemas.openxmlformats.org/drawingml/2006/main" xmlns:r="http://schemas.openxmlformats.org/officeDocument/2006/relationships" xmlns:p="http://schemas.openxmlformats.org/presentationml/2006/main">
+  <p:cSld>
+    <p:spTree>
+      <p:nvGrpSpPr>
+        <p:cNvPr id="1" name=""/>
+        <p:cNvGrpSpPr/>
+        <p:nvPr/>
+      </p:nvGrpSpPr>
+      <p:grpSpPr>
+        <a:xfrm>
+          <a:off x="0" y="0"/>
+          <a:ext cx="0" cy="0"/>
+          <a:chOff x="0" y="0"/>
+          <a:chExt cx="0" cy="0"/>
+        </a:xfrm>
+      </p:grpSpPr>
+      <p:sp>
+        <p:nvSpPr>
+          <p:cNvPr id="2" name="Slide Image Placeholder 1"/>
+          <p:cNvSpPr>
+            <a:spLocks noGrp="1" noRot="1" noChangeAspect="1"/>
+          </p:cNvSpPr>
+          <p:nvPr>
+            <p:ph type="sldImg"/>
+          </p:nvPr>
+        </p:nvSpPr>
+        <p:spPr/>
+      </p:sp>
+      <p:sp>
+        <p:nvSpPr>
+          <p:cNvPr id="3" name="Notes Placeholder 2"/>
+          <p:cNvSpPr>
+            <a:spLocks noGrp="1"/>
+          </p:cNvSpPr>
+          <p:nvPr>
+            <p:ph type="body" idx="1"/>
+          </p:nvPr>
+        </p:nvSpPr>
+        <p:spPr/>
+        <p:txBody>
+          <a:bodyPr/>
+          <a:lstStyle/>
+          <a:p>
+            <a:endParaRPr lang="en-US"/>
+          </a:p>
+        </p:txBody>
+      </p:sp>
+      <p:sp>
+        <p:nvSpPr>
+          <p:cNvPr id="4" name="Slide Number Placeholder 3"/>
+          <p:cNvSpPr>
+            <a:spLocks noGrp="1"/>
+          </p:cNvSpPr>
+          <p:nvPr>
+            <p:ph type="sldNum" sz="quarter" idx="5"/>
+          </p:nvPr>
+        </p:nvSpPr>
+        <p:spPr/>
+        <p:txBody>
+          <a:bodyPr/>
+          <a:lstStyle/>
+          <a:p>
+            <a:fld id="{C5A04481-FF2E-40DB-9BDD-C9BCCC604956}" type="slidenum">
+              <a:rPr lang="en-US" smtClean="0"/>
+              <a:t>5</a:t>
+            </a:fld>
+            <a:endParaRPr lang="en-US"/>
+          </a:p>
+        </p:txBody>
+      </p:sp>
+    </p:spTree>
+    <p:extLst>
+      <p:ext uri="{BB962C8B-B14F-4D97-AF65-F5344CB8AC3E}">
+        <p14:creationId xmlns:p14="http://schemas.microsoft.com/office/powerpoint/2010/main" val="1117866532"/>
+      </p:ext>
+    </p:extLst>
+  </p:cSld>
+  <p:clrMapOvr>
+    <a:masterClrMapping/>
+  </p:clrMapOvr>
+</p:notes>
+</file>
+
 <file path=ppt/slideLayouts/slideLayout1.xml><?xml version="1.0" encoding="utf-8"?>
 <p:sldLayout xmlns:a="http://schemas.openxmlformats.org/drawingml/2006/main" xmlns:r="http://schemas.openxmlformats.org/officeDocument/2006/relationships" xmlns:p="http://schemas.openxmlformats.org/presentationml/2006/main" showMasterSp="0" type="title" preserve="1">
   <p:cSld name="Title Slide">
@@ -9436,7 +9606,7 @@
           <a:p>
             <a:fld id="{EA0C0817-A112-4847-8014-A94B7D2A4EA3}" type="datetime1">
               <a:rPr lang="en-US" smtClean="0"/>
-              <a:t>3/16/2021</a:t>
+              <a:t>3/17/2021</a:t>
             </a:fld>
             <a:endParaRPr lang="en-US" dirty="0"/>
           </a:p>
@@ -9643,7 +9813,7 @@
           <a:p>
             <a:fld id="{F6FA2B21-3FCD-4721-B95C-427943F61125}" type="datetime1">
               <a:rPr lang="en-US" smtClean="0"/>
-              <a:t>3/16/2021</a:t>
+              <a:t>3/17/2021</a:t>
             </a:fld>
             <a:endParaRPr lang="en-US" dirty="0"/>
           </a:p>
@@ -9824,7 +9994,7 @@
           <a:p>
             <a:fld id="{F6FA2B21-3FCD-4721-B95C-427943F61125}" type="datetime1">
               <a:rPr lang="en-US" smtClean="0"/>
-              <a:t>3/16/2021</a:t>
+              <a:t>3/17/2021</a:t>
             </a:fld>
             <a:endParaRPr lang="en-US" dirty="0"/>
           </a:p>
@@ -10030,7 +10200,7 @@
           <a:p>
             <a:fld id="{7332B432-ACDA-4023-A761-2BAB76577B62}" type="datetime1">
               <a:rPr lang="en-US" smtClean="0"/>
-              <a:t>3/16/2021</a:t>
+              <a:t>3/17/2021</a:t>
             </a:fld>
             <a:endParaRPr lang="en-US" dirty="0"/>
           </a:p>
@@ -18928,7 +19098,7 @@
           <a:p>
             <a:fld id="{D9C646AA-F36E-4540-911D-FFFC0A0EF24A}" type="datetime1">
               <a:rPr lang="en-US" smtClean="0"/>
-              <a:t>3/16/2021</a:t>
+              <a:t>3/17/2021</a:t>
             </a:fld>
             <a:endParaRPr lang="en-US" dirty="0"/>
           </a:p>
@@ -19202,7 +19372,7 @@
           <a:p>
             <a:fld id="{69186D26-FA5F-4637-B602-B7C2DC34CFD4}" type="datetime1">
               <a:rPr lang="en-US" smtClean="0"/>
-              <a:t>3/16/2021</a:t>
+              <a:t>3/17/2021</a:t>
             </a:fld>
             <a:endParaRPr lang="en-US" dirty="0"/>
           </a:p>
@@ -19600,7 +19770,7 @@
           <a:p>
             <a:fld id="{8A7F15D8-96D1-4781-BC50-CA8A088B2FE4}" type="datetime1">
               <a:rPr lang="en-US" smtClean="0"/>
-              <a:t>3/16/2021</a:t>
+              <a:t>3/17/2021</a:t>
             </a:fld>
             <a:endParaRPr lang="en-US" dirty="0"/>
           </a:p>
@@ -19718,7 +19888,7 @@
           <a:p>
             <a:fld id="{F9A96C99-B8F8-4528-BD05-0E16E943DC09}" type="datetime1">
               <a:rPr lang="en-US" smtClean="0"/>
-              <a:t>3/16/2021</a:t>
+              <a:t>3/17/2021</a:t>
             </a:fld>
             <a:endParaRPr lang="en-US" dirty="0"/>
           </a:p>
@@ -19813,7 +19983,7 @@
           <a:p>
             <a:fld id="{03636942-C211-4B28-8DBD-C953E00AF71B}" type="datetime1">
               <a:rPr lang="en-US" smtClean="0"/>
-              <a:t>3/16/2021</a:t>
+              <a:t>3/17/2021</a:t>
             </a:fld>
             <a:endParaRPr lang="en-US" dirty="0"/>
           </a:p>
@@ -20103,7 +20273,7 @@
           <a:p>
             <a:fld id="{7E8D12A6-918A-48BD-8CB9-CA713993B0EA}" type="datetime1">
               <a:rPr lang="en-US" smtClean="0"/>
-              <a:t>3/16/2021</a:t>
+              <a:t>3/17/2021</a:t>
             </a:fld>
             <a:endParaRPr lang="en-US" dirty="0"/>
           </a:p>
@@ -20384,7 +20554,7 @@
             <a:fld id="{E778CE86-875F-4587-BCF6-FA054AFC0D53}" type="datetime1">
               <a:rPr lang="en-US" smtClean="0"/>
               <a:pPr/>
-              <a:t>3/16/2021</a:t>
+              <a:t>3/17/2021</a:t>
             </a:fld>
             <a:endParaRPr lang="en-US" dirty="0"/>
           </a:p>
@@ -20635,7 +20805,7 @@
           <a:p>
             <a:fld id="{F6FA2B21-3FCD-4721-B95C-427943F61125}" type="datetime1">
               <a:rPr lang="en-US" smtClean="0"/>
-              <a:t>3/16/2021</a:t>
+              <a:t>3/17/2021</a:t>
             </a:fld>
             <a:endParaRPr lang="en-US" dirty="0"/>
           </a:p>
@@ -24887,6 +25057,2199 @@
 </p:sld>
 </file>
 
+<file path=ppt/slides/slide4.xml><?xml version="1.0" encoding="utf-8"?>
+<p:sld xmlns:a="http://schemas.openxmlformats.org/drawingml/2006/main" xmlns:r="http://schemas.openxmlformats.org/officeDocument/2006/relationships" xmlns:p="http://schemas.openxmlformats.org/presentationml/2006/main">
+  <p:cSld>
+    <p:bg>
+      <p:bgPr>
+        <a:gradFill>
+          <a:gsLst>
+            <a:gs pos="0">
+              <a:schemeClr val="accent5">
+                <a:lumMod val="40000"/>
+                <a:lumOff val="60000"/>
+              </a:schemeClr>
+            </a:gs>
+            <a:gs pos="100000">
+              <a:schemeClr val="accent5">
+                <a:lumMod val="60000"/>
+                <a:lumOff val="40000"/>
+              </a:schemeClr>
+            </a:gs>
+          </a:gsLst>
+          <a:path path="rect">
+            <a:fillToRect l="100000" t="100000"/>
+          </a:path>
+        </a:gradFill>
+        <a:effectLst/>
+      </p:bgPr>
+    </p:bg>
+    <p:spTree>
+      <p:nvGrpSpPr>
+        <p:cNvPr id="1" name=""/>
+        <p:cNvGrpSpPr/>
+        <p:nvPr/>
+      </p:nvGrpSpPr>
+      <p:grpSpPr>
+        <a:xfrm>
+          <a:off x="0" y="0"/>
+          <a:ext cx="0" cy="0"/>
+          <a:chOff x="0" y="0"/>
+          <a:chExt cx="0" cy="0"/>
+        </a:xfrm>
+      </p:grpSpPr>
+      <p:sp>
+        <p:nvSpPr>
+          <p:cNvPr id="17" name="Content Placeholder 8">
+            <a:extLst>
+              <a:ext uri="{FF2B5EF4-FFF2-40B4-BE49-F238E27FC236}">
+                <a16:creationId xmlns:a16="http://schemas.microsoft.com/office/drawing/2014/main" id="{14916769-8988-4131-9A54-D78A4FF4B925}"/>
+              </a:ext>
+            </a:extLst>
+          </p:cNvPr>
+          <p:cNvSpPr txBox="1">
+            <a:spLocks/>
+          </p:cNvSpPr>
+          <p:nvPr/>
+        </p:nvSpPr>
+        <p:spPr>
+          <a:xfrm>
+            <a:off x="417576" y="301781"/>
+            <a:ext cx="4375141" cy="6438234"/>
+          </a:xfrm>
+          <a:prstGeom prst="rect">
+            <a:avLst/>
+          </a:prstGeom>
+          <a:solidFill>
+            <a:schemeClr val="accent5">
+              <a:lumMod val="40000"/>
+              <a:lumOff val="60000"/>
+            </a:schemeClr>
+          </a:solidFill>
+        </p:spPr>
+        <p:txBody>
+          <a:bodyPr vert="horz" lIns="91440" tIns="45720" rIns="91440" bIns="45720" rtlCol="0">
+            <a:normAutofit/>
+          </a:bodyPr>
+          <a:lstStyle>
+            <a:lvl1pPr marL="91440" indent="-91440" algn="l" defTabSz="914400" rtl="0" eaLnBrk="1" latinLnBrk="0" hangingPunct="1">
+              <a:lnSpc>
+                <a:spcPct val="90000"/>
+              </a:lnSpc>
+              <a:spcBef>
+                <a:spcPts val="1200"/>
+              </a:spcBef>
+              <a:spcAft>
+                <a:spcPts val="200"/>
+              </a:spcAft>
+              <a:buClr>
+                <a:schemeClr val="accent1"/>
+              </a:buClr>
+              <a:buSzPct val="100000"/>
+              <a:buFont typeface="Tw Cen MT" panose="020B0602020104020603" pitchFamily="34" charset="0"/>
+              <a:buChar char=" "/>
+              <a:defRPr sz="2400" kern="1200">
+                <a:solidFill>
+                  <a:schemeClr val="tx1"/>
+                </a:solidFill>
+                <a:latin typeface="+mn-lt"/>
+                <a:ea typeface="+mn-ea"/>
+                <a:cs typeface="+mn-cs"/>
+              </a:defRPr>
+            </a:lvl1pPr>
+            <a:lvl2pPr marL="265176" indent="-137160" algn="l" defTabSz="914400" rtl="0" eaLnBrk="1" latinLnBrk="0" hangingPunct="1">
+              <a:lnSpc>
+                <a:spcPct val="90000"/>
+              </a:lnSpc>
+              <a:spcBef>
+                <a:spcPts val="200"/>
+              </a:spcBef>
+              <a:spcAft>
+                <a:spcPts val="400"/>
+              </a:spcAft>
+              <a:buClr>
+                <a:schemeClr val="accent1"/>
+              </a:buClr>
+              <a:buFont typeface="Wingdings 3" pitchFamily="18" charset="2"/>
+              <a:buChar char=""/>
+              <a:defRPr sz="2000" kern="1200">
+                <a:solidFill>
+                  <a:schemeClr val="tx1"/>
+                </a:solidFill>
+                <a:latin typeface="+mn-lt"/>
+                <a:ea typeface="+mn-ea"/>
+                <a:cs typeface="+mn-cs"/>
+              </a:defRPr>
+            </a:lvl2pPr>
+            <a:lvl3pPr marL="448056" indent="-137160" algn="l" defTabSz="914400" rtl="0" eaLnBrk="1" latinLnBrk="0" hangingPunct="1">
+              <a:lnSpc>
+                <a:spcPct val="90000"/>
+              </a:lnSpc>
+              <a:spcBef>
+                <a:spcPts val="200"/>
+              </a:spcBef>
+              <a:spcAft>
+                <a:spcPts val="400"/>
+              </a:spcAft>
+              <a:buClr>
+                <a:schemeClr val="accent1"/>
+              </a:buClr>
+              <a:buFont typeface="Wingdings 3" pitchFamily="18" charset="2"/>
+              <a:buChar char=""/>
+              <a:defRPr sz="1600" kern="1200">
+                <a:solidFill>
+                  <a:schemeClr val="tx1"/>
+                </a:solidFill>
+                <a:latin typeface="+mn-lt"/>
+                <a:ea typeface="+mn-ea"/>
+                <a:cs typeface="+mn-cs"/>
+              </a:defRPr>
+            </a:lvl3pPr>
+            <a:lvl4pPr marL="594360" indent="-137160" algn="l" defTabSz="914400" rtl="0" eaLnBrk="1" latinLnBrk="0" hangingPunct="1">
+              <a:lnSpc>
+                <a:spcPct val="90000"/>
+              </a:lnSpc>
+              <a:spcBef>
+                <a:spcPts val="200"/>
+              </a:spcBef>
+              <a:spcAft>
+                <a:spcPts val="400"/>
+              </a:spcAft>
+              <a:buClr>
+                <a:schemeClr val="accent1"/>
+              </a:buClr>
+              <a:buFont typeface="Wingdings 3" pitchFamily="18" charset="2"/>
+              <a:buChar char=""/>
+              <a:defRPr sz="1600" kern="1200">
+                <a:solidFill>
+                  <a:schemeClr val="tx1"/>
+                </a:solidFill>
+                <a:latin typeface="+mn-lt"/>
+                <a:ea typeface="+mn-ea"/>
+                <a:cs typeface="+mn-cs"/>
+              </a:defRPr>
+            </a:lvl4pPr>
+            <a:lvl5pPr marL="777240" indent="-137160" algn="l" defTabSz="914400" rtl="0" eaLnBrk="1" latinLnBrk="0" hangingPunct="1">
+              <a:lnSpc>
+                <a:spcPct val="90000"/>
+              </a:lnSpc>
+              <a:spcBef>
+                <a:spcPts val="200"/>
+              </a:spcBef>
+              <a:spcAft>
+                <a:spcPts val="400"/>
+              </a:spcAft>
+              <a:buClr>
+                <a:schemeClr val="accent1"/>
+              </a:buClr>
+              <a:buFont typeface="Wingdings 3" pitchFamily="18" charset="2"/>
+              <a:buChar char=""/>
+              <a:defRPr sz="1600" kern="1200">
+                <a:solidFill>
+                  <a:schemeClr val="tx1"/>
+                </a:solidFill>
+                <a:latin typeface="+mn-lt"/>
+                <a:ea typeface="+mn-ea"/>
+                <a:cs typeface="+mn-cs"/>
+              </a:defRPr>
+            </a:lvl5pPr>
+            <a:lvl6pPr marL="914400" indent="-137160" algn="l" defTabSz="914400" rtl="0" eaLnBrk="1" latinLnBrk="0" hangingPunct="1">
+              <a:lnSpc>
+                <a:spcPct val="90000"/>
+              </a:lnSpc>
+              <a:spcBef>
+                <a:spcPts val="200"/>
+              </a:spcBef>
+              <a:spcAft>
+                <a:spcPts val="400"/>
+              </a:spcAft>
+              <a:buClr>
+                <a:schemeClr val="accent1"/>
+              </a:buClr>
+              <a:buFont typeface="Wingdings 3" pitchFamily="18" charset="2"/>
+              <a:buChar char=""/>
+              <a:defRPr sz="1600" kern="1200">
+                <a:solidFill>
+                  <a:schemeClr val="tx1"/>
+                </a:solidFill>
+                <a:latin typeface="+mn-lt"/>
+                <a:ea typeface="+mn-ea"/>
+                <a:cs typeface="+mn-cs"/>
+              </a:defRPr>
+            </a:lvl6pPr>
+            <a:lvl7pPr marL="1060704" indent="-137160" algn="l" defTabSz="914400" rtl="0" eaLnBrk="1" latinLnBrk="0" hangingPunct="1">
+              <a:lnSpc>
+                <a:spcPct val="90000"/>
+              </a:lnSpc>
+              <a:spcBef>
+                <a:spcPts val="200"/>
+              </a:spcBef>
+              <a:spcAft>
+                <a:spcPts val="400"/>
+              </a:spcAft>
+              <a:buClr>
+                <a:schemeClr val="accent1"/>
+              </a:buClr>
+              <a:buFont typeface="Wingdings 3" pitchFamily="18" charset="2"/>
+              <a:buChar char=""/>
+              <a:defRPr sz="1600" kern="1200">
+                <a:solidFill>
+                  <a:schemeClr val="tx1"/>
+                </a:solidFill>
+                <a:latin typeface="+mn-lt"/>
+                <a:ea typeface="+mn-ea"/>
+                <a:cs typeface="+mn-cs"/>
+              </a:defRPr>
+            </a:lvl7pPr>
+            <a:lvl8pPr marL="1216152" indent="-137160" algn="l" defTabSz="914400" rtl="0" eaLnBrk="1" latinLnBrk="0" hangingPunct="1">
+              <a:lnSpc>
+                <a:spcPct val="90000"/>
+              </a:lnSpc>
+              <a:spcBef>
+                <a:spcPts val="200"/>
+              </a:spcBef>
+              <a:spcAft>
+                <a:spcPts val="400"/>
+              </a:spcAft>
+              <a:buClr>
+                <a:schemeClr val="accent1"/>
+              </a:buClr>
+              <a:buFont typeface="Wingdings 3" pitchFamily="18" charset="2"/>
+              <a:buChar char=""/>
+              <a:defRPr sz="1600" kern="1200">
+                <a:solidFill>
+                  <a:schemeClr val="tx1"/>
+                </a:solidFill>
+                <a:latin typeface="+mn-lt"/>
+                <a:ea typeface="+mn-ea"/>
+                <a:cs typeface="+mn-cs"/>
+              </a:defRPr>
+            </a:lvl8pPr>
+            <a:lvl9pPr marL="1362456" indent="-137160" algn="l" defTabSz="914400" rtl="0" eaLnBrk="1" latinLnBrk="0" hangingPunct="1">
+              <a:lnSpc>
+                <a:spcPct val="90000"/>
+              </a:lnSpc>
+              <a:spcBef>
+                <a:spcPts val="200"/>
+              </a:spcBef>
+              <a:spcAft>
+                <a:spcPts val="400"/>
+              </a:spcAft>
+              <a:buClr>
+                <a:schemeClr val="accent1"/>
+              </a:buClr>
+              <a:buFont typeface="Wingdings 3" pitchFamily="18" charset="2"/>
+              <a:buChar char=""/>
+              <a:defRPr sz="1600" kern="1200">
+                <a:solidFill>
+                  <a:schemeClr val="tx1"/>
+                </a:solidFill>
+                <a:latin typeface="+mn-lt"/>
+                <a:ea typeface="+mn-ea"/>
+                <a:cs typeface="+mn-cs"/>
+              </a:defRPr>
+            </a:lvl9pPr>
+          </a:lstStyle>
+          <a:p>
+            <a:pPr marL="128016" lvl="1" indent="0">
+              <a:buFont typeface="Wingdings 3" pitchFamily="18" charset="2"/>
+              <a:buNone/>
+            </a:pPr>
+            <a:r>
+              <a:rPr lang="en-US" sz="3200" dirty="0">
+                <a:solidFill>
+                  <a:schemeClr val="accent5">
+                    <a:lumMod val="50000"/>
+                  </a:schemeClr>
+                </a:solidFill>
+                <a:latin typeface="Times New Roman" panose="02020603050405020304" pitchFamily="18" charset="0"/>
+                <a:cs typeface="Times New Roman" panose="02020603050405020304" pitchFamily="18" charset="0"/>
+              </a:rPr>
+              <a:t>Backend Options</a:t>
+            </a:r>
+          </a:p>
+        </p:txBody>
+      </p:sp>
+      <p:sp>
+        <p:nvSpPr>
+          <p:cNvPr id="18" name="TextBox 17">
+            <a:extLst>
+              <a:ext uri="{FF2B5EF4-FFF2-40B4-BE49-F238E27FC236}">
+                <a16:creationId xmlns:a16="http://schemas.microsoft.com/office/drawing/2014/main" id="{687111E4-005E-4E8B-B322-940BF407598A}"/>
+              </a:ext>
+            </a:extLst>
+          </p:cNvPr>
+          <p:cNvSpPr txBox="1"/>
+          <p:nvPr/>
+        </p:nvSpPr>
+        <p:spPr>
+          <a:xfrm>
+            <a:off x="948978" y="1860787"/>
+            <a:ext cx="2814639" cy="646331"/>
+          </a:xfrm>
+          <a:prstGeom prst="rect">
+            <a:avLst/>
+          </a:prstGeom>
+          <a:noFill/>
+        </p:spPr>
+        <p:txBody>
+          <a:bodyPr wrap="square" rtlCol="0">
+            <a:spAutoFit/>
+          </a:bodyPr>
+          <a:lstStyle/>
+          <a:p>
+            <a:r>
+              <a:rPr lang="en-US" dirty="0">
+                <a:latin typeface="Times New Roman" panose="02020603050405020304" pitchFamily="18" charset="0"/>
+                <a:cs typeface="Times New Roman" panose="02020603050405020304" pitchFamily="18" charset="0"/>
+              </a:rPr>
+              <a:t>Need somewhere to run the flask and </a:t>
+            </a:r>
+            <a:r>
+              <a:rPr lang="en-US" dirty="0" err="1">
+                <a:latin typeface="Times New Roman" panose="02020603050405020304" pitchFamily="18" charset="0"/>
+                <a:cs typeface="Times New Roman" panose="02020603050405020304" pitchFamily="18" charset="0"/>
+              </a:rPr>
+              <a:t>nodejs</a:t>
+            </a:r>
+            <a:r>
+              <a:rPr lang="en-US" dirty="0">
+                <a:latin typeface="Times New Roman" panose="02020603050405020304" pitchFamily="18" charset="0"/>
+                <a:cs typeface="Times New Roman" panose="02020603050405020304" pitchFamily="18" charset="0"/>
+              </a:rPr>
+              <a:t> apps</a:t>
+            </a:r>
+          </a:p>
+        </p:txBody>
+      </p:sp>
+      <p:sp>
+        <p:nvSpPr>
+          <p:cNvPr id="19" name="TextBox 18">
+            <a:extLst>
+              <a:ext uri="{FF2B5EF4-FFF2-40B4-BE49-F238E27FC236}">
+                <a16:creationId xmlns:a16="http://schemas.microsoft.com/office/drawing/2014/main" id="{2489749F-4E2A-414D-B602-CFF83B90E770}"/>
+              </a:ext>
+            </a:extLst>
+          </p:cNvPr>
+          <p:cNvSpPr txBox="1"/>
+          <p:nvPr/>
+        </p:nvSpPr>
+        <p:spPr>
+          <a:xfrm>
+            <a:off x="948977" y="5213587"/>
+            <a:ext cx="2814639" cy="923330"/>
+          </a:xfrm>
+          <a:prstGeom prst="rect">
+            <a:avLst/>
+          </a:prstGeom>
+          <a:noFill/>
+        </p:spPr>
+        <p:txBody>
+          <a:bodyPr wrap="square" rtlCol="0">
+            <a:spAutoFit/>
+          </a:bodyPr>
+          <a:lstStyle/>
+          <a:p>
+            <a:r>
+              <a:rPr lang="en-US" dirty="0">
+                <a:latin typeface="Times New Roman" panose="02020603050405020304" pitchFamily="18" charset="0"/>
+                <a:cs typeface="Times New Roman" panose="02020603050405020304" pitchFamily="18" charset="0"/>
+              </a:rPr>
+              <a:t>Run the apps on a server (virtual machine, physical server, etc.)</a:t>
+            </a:r>
+          </a:p>
+        </p:txBody>
+      </p:sp>
+      <p:sp>
+        <p:nvSpPr>
+          <p:cNvPr id="21" name="TextBox 20">
+            <a:extLst>
+              <a:ext uri="{FF2B5EF4-FFF2-40B4-BE49-F238E27FC236}">
+                <a16:creationId xmlns:a16="http://schemas.microsoft.com/office/drawing/2014/main" id="{71FDA155-8FA0-4784-8976-F8CEC8A16951}"/>
+              </a:ext>
+            </a:extLst>
+          </p:cNvPr>
+          <p:cNvSpPr txBox="1"/>
+          <p:nvPr/>
+        </p:nvSpPr>
+        <p:spPr>
+          <a:xfrm>
+            <a:off x="948977" y="3537187"/>
+            <a:ext cx="2814639" cy="646331"/>
+          </a:xfrm>
+          <a:prstGeom prst="rect">
+            <a:avLst/>
+          </a:prstGeom>
+          <a:noFill/>
+        </p:spPr>
+        <p:txBody>
+          <a:bodyPr wrap="square" rtlCol="0">
+            <a:spAutoFit/>
+          </a:bodyPr>
+          <a:lstStyle/>
+          <a:p>
+            <a:r>
+              <a:rPr lang="en-US" dirty="0">
+                <a:latin typeface="Times New Roman" panose="02020603050405020304" pitchFamily="18" charset="0"/>
+                <a:cs typeface="Times New Roman" panose="02020603050405020304" pitchFamily="18" charset="0"/>
+              </a:rPr>
+              <a:t>AWS Lambda + Amazon Elastic File System</a:t>
+            </a:r>
+          </a:p>
+        </p:txBody>
+      </p:sp>
+      <p:grpSp>
+        <p:nvGrpSpPr>
+          <p:cNvPr id="11" name="Group 10">
+            <a:extLst>
+              <a:ext uri="{FF2B5EF4-FFF2-40B4-BE49-F238E27FC236}">
+                <a16:creationId xmlns:a16="http://schemas.microsoft.com/office/drawing/2014/main" id="{808AB474-8D74-4570-8F81-1F1277A47D3E}"/>
+              </a:ext>
+            </a:extLst>
+          </p:cNvPr>
+          <p:cNvGrpSpPr/>
+          <p:nvPr/>
+        </p:nvGrpSpPr>
+        <p:grpSpPr>
+          <a:xfrm>
+            <a:off x="7622494" y="460653"/>
+            <a:ext cx="2814639" cy="2110045"/>
+            <a:chOff x="7622494" y="460653"/>
+            <a:chExt cx="2814639" cy="2110045"/>
+          </a:xfrm>
+        </p:grpSpPr>
+        <p:pic>
+          <p:nvPicPr>
+            <p:cNvPr id="7" name="Picture 6" descr="Shape&#10;&#10;Description automatically generated with medium confidence">
+              <a:extLst>
+                <a:ext uri="{FF2B5EF4-FFF2-40B4-BE49-F238E27FC236}">
+                  <a16:creationId xmlns:a16="http://schemas.microsoft.com/office/drawing/2014/main" id="{03D9392B-00D8-4513-96CA-C1CBC099E186}"/>
+                </a:ext>
+              </a:extLst>
+            </p:cNvPr>
+            <p:cNvPicPr>
+              <a:picLocks noChangeAspect="1"/>
+            </p:cNvPicPr>
+            <p:nvPr/>
+          </p:nvPicPr>
+          <p:blipFill>
+            <a:blip r:embed="rId3"/>
+            <a:stretch>
+              <a:fillRect/>
+            </a:stretch>
+          </p:blipFill>
+          <p:spPr>
+            <a:xfrm>
+              <a:off x="8019839" y="926285"/>
+              <a:ext cx="1279284" cy="1644413"/>
+            </a:xfrm>
+            <a:prstGeom prst="rect">
+              <a:avLst/>
+            </a:prstGeom>
+          </p:spPr>
+        </p:pic>
+        <p:sp>
+          <p:nvSpPr>
+            <p:cNvPr id="26" name="TextBox 25">
+              <a:extLst>
+                <a:ext uri="{FF2B5EF4-FFF2-40B4-BE49-F238E27FC236}">
+                  <a16:creationId xmlns:a16="http://schemas.microsoft.com/office/drawing/2014/main" id="{7BA33A7C-7C3F-4A89-9D73-E5F1B784128D}"/>
+                </a:ext>
+              </a:extLst>
+            </p:cNvPr>
+            <p:cNvSpPr txBox="1"/>
+            <p:nvPr/>
+          </p:nvSpPr>
+          <p:spPr>
+            <a:xfrm>
+              <a:off x="7622494" y="460653"/>
+              <a:ext cx="2814639" cy="369332"/>
+            </a:xfrm>
+            <a:prstGeom prst="rect">
+              <a:avLst/>
+            </a:prstGeom>
+            <a:noFill/>
+          </p:spPr>
+          <p:txBody>
+            <a:bodyPr wrap="square" rtlCol="0">
+              <a:spAutoFit/>
+            </a:bodyPr>
+            <a:lstStyle/>
+            <a:p>
+              <a:r>
+                <a:rPr lang="en-US" dirty="0">
+                  <a:latin typeface="Times New Roman" panose="02020603050405020304" pitchFamily="18" charset="0"/>
+                  <a:cs typeface="Times New Roman" panose="02020603050405020304" pitchFamily="18" charset="0"/>
+                </a:rPr>
+                <a:t>For diff operations</a:t>
+              </a:r>
+            </a:p>
+          </p:txBody>
+        </p:sp>
+      </p:grpSp>
+      <p:grpSp>
+        <p:nvGrpSpPr>
+          <p:cNvPr id="12" name="Group 11">
+            <a:extLst>
+              <a:ext uri="{FF2B5EF4-FFF2-40B4-BE49-F238E27FC236}">
+                <a16:creationId xmlns:a16="http://schemas.microsoft.com/office/drawing/2014/main" id="{74BE944F-7BB4-4B2D-99B5-53BE72AA471E}"/>
+              </a:ext>
+            </a:extLst>
+          </p:cNvPr>
+          <p:cNvGrpSpPr/>
+          <p:nvPr/>
+        </p:nvGrpSpPr>
+        <p:grpSpPr>
+          <a:xfrm>
+            <a:off x="6610067" y="3520898"/>
+            <a:ext cx="4098829" cy="2507117"/>
+            <a:chOff x="6610067" y="3520898"/>
+            <a:chExt cx="4098829" cy="2507117"/>
+          </a:xfrm>
+        </p:grpSpPr>
+        <p:pic>
+          <p:nvPicPr>
+            <p:cNvPr id="10" name="Picture 9" descr="Icon&#10;&#10;Description automatically generated">
+              <a:extLst>
+                <a:ext uri="{FF2B5EF4-FFF2-40B4-BE49-F238E27FC236}">
+                  <a16:creationId xmlns:a16="http://schemas.microsoft.com/office/drawing/2014/main" id="{68F061EA-0249-4659-876C-C562A0A2C1D4}"/>
+                </a:ext>
+              </a:extLst>
+            </p:cNvPr>
+            <p:cNvPicPr>
+              <a:picLocks noChangeAspect="1"/>
+            </p:cNvPicPr>
+            <p:nvPr/>
+          </p:nvPicPr>
+          <p:blipFill>
+            <a:blip r:embed="rId4"/>
+            <a:stretch>
+              <a:fillRect/>
+            </a:stretch>
+          </p:blipFill>
+          <p:spPr>
+            <a:xfrm>
+              <a:off x="6610067" y="3520898"/>
+              <a:ext cx="4098829" cy="2507117"/>
+            </a:xfrm>
+            <a:prstGeom prst="rect">
+              <a:avLst/>
+            </a:prstGeom>
+          </p:spPr>
+        </p:pic>
+        <p:sp>
+          <p:nvSpPr>
+            <p:cNvPr id="29" name="TextBox 28">
+              <a:extLst>
+                <a:ext uri="{FF2B5EF4-FFF2-40B4-BE49-F238E27FC236}">
+                  <a16:creationId xmlns:a16="http://schemas.microsoft.com/office/drawing/2014/main" id="{74E73091-7A20-4160-A307-25AEC6B276C1}"/>
+                </a:ext>
+              </a:extLst>
+            </p:cNvPr>
+            <p:cNvSpPr txBox="1"/>
+            <p:nvPr/>
+          </p:nvSpPr>
+          <p:spPr>
+            <a:xfrm>
+              <a:off x="6770488" y="3597198"/>
+              <a:ext cx="2814639" cy="369332"/>
+            </a:xfrm>
+            <a:prstGeom prst="rect">
+              <a:avLst/>
+            </a:prstGeom>
+            <a:noFill/>
+          </p:spPr>
+          <p:txBody>
+            <a:bodyPr wrap="square" rtlCol="0">
+              <a:spAutoFit/>
+            </a:bodyPr>
+            <a:lstStyle/>
+            <a:p>
+              <a:r>
+                <a:rPr lang="en-US" dirty="0">
+                  <a:latin typeface="Times New Roman" panose="02020603050405020304" pitchFamily="18" charset="0"/>
+                  <a:cs typeface="Times New Roman" panose="02020603050405020304" pitchFamily="18" charset="0"/>
+                </a:rPr>
+                <a:t>For database operations</a:t>
+              </a:r>
+            </a:p>
+          </p:txBody>
+        </p:sp>
+      </p:grpSp>
+      <p:grpSp>
+        <p:nvGrpSpPr>
+          <p:cNvPr id="24" name="Group 23">
+            <a:extLst>
+              <a:ext uri="{FF2B5EF4-FFF2-40B4-BE49-F238E27FC236}">
+                <a16:creationId xmlns:a16="http://schemas.microsoft.com/office/drawing/2014/main" id="{CE227D99-DBEA-4A6F-A442-79617F8DD25F}"/>
+              </a:ext>
+            </a:extLst>
+          </p:cNvPr>
+          <p:cNvGrpSpPr/>
+          <p:nvPr/>
+        </p:nvGrpSpPr>
+        <p:grpSpPr>
+          <a:xfrm>
+            <a:off x="5770584" y="1501697"/>
+            <a:ext cx="6165270" cy="4191002"/>
+            <a:chOff x="5770584" y="1501697"/>
+            <a:chExt cx="6165270" cy="4191002"/>
+          </a:xfrm>
+        </p:grpSpPr>
+        <p:pic>
+          <p:nvPicPr>
+            <p:cNvPr id="14" name="Graphic 13">
+              <a:extLst>
+                <a:ext uri="{FF2B5EF4-FFF2-40B4-BE49-F238E27FC236}">
+                  <a16:creationId xmlns:a16="http://schemas.microsoft.com/office/drawing/2014/main" id="{4AFA157F-165D-4153-B0EB-515B915E3B05}"/>
+                </a:ext>
+              </a:extLst>
+            </p:cNvPr>
+            <p:cNvPicPr>
+              <a:picLocks noChangeAspect="1"/>
+            </p:cNvPicPr>
+            <p:nvPr/>
+          </p:nvPicPr>
+          <p:blipFill>
+            <a:blip r:embed="rId5">
+              <a:extLst>
+                <a:ext uri="{96DAC541-7B7A-43D3-8B79-37D633B846F1}">
+                  <asvg:svgBlip xmlns:asvg="http://schemas.microsoft.com/office/drawing/2016/SVG/main" r:embed="rId6"/>
+                </a:ext>
+              </a:extLst>
+            </a:blip>
+            <a:stretch>
+              <a:fillRect/>
+            </a:stretch>
+          </p:blipFill>
+          <p:spPr>
+            <a:xfrm>
+              <a:off x="5770584" y="2513954"/>
+              <a:ext cx="1999807" cy="2046466"/>
+            </a:xfrm>
+            <a:prstGeom prst="rect">
+              <a:avLst/>
+            </a:prstGeom>
+          </p:spPr>
+        </p:pic>
+        <p:pic>
+          <p:nvPicPr>
+            <p:cNvPr id="16" name="Picture 15" descr="A picture containing icon&#10;&#10;Description automatically generated">
+              <a:extLst>
+                <a:ext uri="{FF2B5EF4-FFF2-40B4-BE49-F238E27FC236}">
+                  <a16:creationId xmlns:a16="http://schemas.microsoft.com/office/drawing/2014/main" id="{6B3733E6-2046-432C-84FE-7EFA129B4B12}"/>
+                </a:ext>
+              </a:extLst>
+            </p:cNvPr>
+            <p:cNvPicPr>
+              <a:picLocks noChangeAspect="1"/>
+            </p:cNvPicPr>
+            <p:nvPr/>
+          </p:nvPicPr>
+          <p:blipFill>
+            <a:blip r:embed="rId7"/>
+            <a:stretch>
+              <a:fillRect/>
+            </a:stretch>
+          </p:blipFill>
+          <p:spPr>
+            <a:xfrm>
+              <a:off x="8358170" y="1501697"/>
+              <a:ext cx="3577684" cy="4191002"/>
+            </a:xfrm>
+            <a:prstGeom prst="rect">
+              <a:avLst/>
+            </a:prstGeom>
+          </p:spPr>
+        </p:pic>
+        <p:sp>
+          <p:nvSpPr>
+            <p:cNvPr id="35" name="TextBox 34">
+              <a:extLst>
+                <a:ext uri="{FF2B5EF4-FFF2-40B4-BE49-F238E27FC236}">
+                  <a16:creationId xmlns:a16="http://schemas.microsoft.com/office/drawing/2014/main" id="{8F0984F1-EFA8-4D05-B07F-65DDEFE3D071}"/>
+                </a:ext>
+              </a:extLst>
+            </p:cNvPr>
+            <p:cNvSpPr txBox="1"/>
+            <p:nvPr/>
+          </p:nvSpPr>
+          <p:spPr>
+            <a:xfrm>
+              <a:off x="8019839" y="3275577"/>
+              <a:ext cx="2814639" cy="584775"/>
+            </a:xfrm>
+            <a:prstGeom prst="rect">
+              <a:avLst/>
+            </a:prstGeom>
+            <a:noFill/>
+          </p:spPr>
+          <p:txBody>
+            <a:bodyPr wrap="square" rtlCol="0">
+              <a:spAutoFit/>
+            </a:bodyPr>
+            <a:lstStyle/>
+            <a:p>
+              <a:r>
+                <a:rPr lang="en-US" sz="3200" dirty="0">
+                  <a:latin typeface="Times New Roman" panose="02020603050405020304" pitchFamily="18" charset="0"/>
+                  <a:cs typeface="Times New Roman" panose="02020603050405020304" pitchFamily="18" charset="0"/>
+                </a:rPr>
+                <a:t>+</a:t>
+              </a:r>
+            </a:p>
+          </p:txBody>
+        </p:sp>
+      </p:grpSp>
+      <p:grpSp>
+        <p:nvGrpSpPr>
+          <p:cNvPr id="32" name="Group 31">
+            <a:extLst>
+              <a:ext uri="{FF2B5EF4-FFF2-40B4-BE49-F238E27FC236}">
+                <a16:creationId xmlns:a16="http://schemas.microsoft.com/office/drawing/2014/main" id="{48BD8AAE-8BB6-483F-94B1-4AD563985364}"/>
+              </a:ext>
+            </a:extLst>
+          </p:cNvPr>
+          <p:cNvGrpSpPr/>
+          <p:nvPr/>
+        </p:nvGrpSpPr>
+        <p:grpSpPr>
+          <a:xfrm>
+            <a:off x="6096000" y="328905"/>
+            <a:ext cx="4787890" cy="5808012"/>
+            <a:chOff x="6096000" y="328905"/>
+            <a:chExt cx="4787890" cy="5808012"/>
+          </a:xfrm>
+        </p:grpSpPr>
+        <p:pic>
+          <p:nvPicPr>
+            <p:cNvPr id="31" name="Picture 30" descr="Text&#10;&#10;Description automatically generated">
+              <a:extLst>
+                <a:ext uri="{FF2B5EF4-FFF2-40B4-BE49-F238E27FC236}">
+                  <a16:creationId xmlns:a16="http://schemas.microsoft.com/office/drawing/2014/main" id="{F3599D76-A3F9-4613-BEE7-35BE196412DD}"/>
+                </a:ext>
+              </a:extLst>
+            </p:cNvPr>
+            <p:cNvPicPr>
+              <a:picLocks noChangeAspect="1"/>
+            </p:cNvPicPr>
+            <p:nvPr/>
+          </p:nvPicPr>
+          <p:blipFill>
+            <a:blip r:embed="rId8"/>
+            <a:stretch>
+              <a:fillRect/>
+            </a:stretch>
+          </p:blipFill>
+          <p:spPr>
+            <a:xfrm>
+              <a:off x="6096000" y="1299582"/>
+              <a:ext cx="4787890" cy="4837335"/>
+            </a:xfrm>
+            <a:prstGeom prst="rect">
+              <a:avLst/>
+            </a:prstGeom>
+          </p:spPr>
+        </p:pic>
+        <p:sp>
+          <p:nvSpPr>
+            <p:cNvPr id="38" name="TextBox 37">
+              <a:extLst>
+                <a:ext uri="{FF2B5EF4-FFF2-40B4-BE49-F238E27FC236}">
+                  <a16:creationId xmlns:a16="http://schemas.microsoft.com/office/drawing/2014/main" id="{0E5007B3-64EC-434C-A19E-4779EF68A287}"/>
+                </a:ext>
+              </a:extLst>
+            </p:cNvPr>
+            <p:cNvSpPr txBox="1"/>
+            <p:nvPr/>
+          </p:nvSpPr>
+          <p:spPr>
+            <a:xfrm>
+              <a:off x="7082625" y="328905"/>
+              <a:ext cx="2814639" cy="923330"/>
+            </a:xfrm>
+            <a:prstGeom prst="rect">
+              <a:avLst/>
+            </a:prstGeom>
+            <a:noFill/>
+          </p:spPr>
+          <p:txBody>
+            <a:bodyPr wrap="square" rtlCol="0">
+              <a:spAutoFit/>
+            </a:bodyPr>
+            <a:lstStyle/>
+            <a:p>
+              <a:r>
+                <a:rPr lang="en-US" dirty="0">
+                  <a:latin typeface="Times New Roman" panose="02020603050405020304" pitchFamily="18" charset="0"/>
+                  <a:cs typeface="Times New Roman" panose="02020603050405020304" pitchFamily="18" charset="0"/>
+                </a:rPr>
+                <a:t>Flask and Nodejs apps hosted on an EC2 instance (or other server)</a:t>
+              </a:r>
+            </a:p>
+          </p:txBody>
+        </p:sp>
+      </p:grpSp>
+    </p:spTree>
+    <p:extLst>
+      <p:ext uri="{BB962C8B-B14F-4D97-AF65-F5344CB8AC3E}">
+        <p14:creationId xmlns:p14="http://schemas.microsoft.com/office/powerpoint/2010/main" val="2915572969"/>
+      </p:ext>
+    </p:extLst>
+  </p:cSld>
+  <p:clrMapOvr>
+    <a:masterClrMapping/>
+  </p:clrMapOvr>
+  <p:timing>
+    <p:tnLst>
+      <p:par>
+        <p:cTn id="1" dur="indefinite" restart="never" nodeType="tmRoot">
+          <p:childTnLst>
+            <p:seq concurrent="1" nextAc="seek">
+              <p:cTn id="2" dur="indefinite" nodeType="mainSeq">
+                <p:childTnLst>
+                  <p:par>
+                    <p:cTn id="3" fill="hold">
+                      <p:stCondLst>
+                        <p:cond delay="indefinite"/>
+                      </p:stCondLst>
+                      <p:childTnLst>
+                        <p:par>
+                          <p:cTn id="4" fill="hold">
+                            <p:stCondLst>
+                              <p:cond delay="0"/>
+                            </p:stCondLst>
+                            <p:childTnLst>
+                              <p:par>
+                                <p:cTn id="5" presetID="1" presetClass="entr" presetSubtype="0" fill="hold" grpId="0" nodeType="clickEffect">
+                                  <p:stCondLst>
+                                    <p:cond delay="0"/>
+                                  </p:stCondLst>
+                                  <p:childTnLst>
+                                    <p:set>
+                                      <p:cBhvr>
+                                        <p:cTn id="6" dur="1" fill="hold">
+                                          <p:stCondLst>
+                                            <p:cond delay="0"/>
+                                          </p:stCondLst>
+                                        </p:cTn>
+                                        <p:tgtEl>
+                                          <p:spTgt spid="18"/>
+                                        </p:tgtEl>
+                                        <p:attrNameLst>
+                                          <p:attrName>style.visibility</p:attrName>
+                                        </p:attrNameLst>
+                                      </p:cBhvr>
+                                      <p:to>
+                                        <p:strVal val="visible"/>
+                                      </p:to>
+                                    </p:set>
+                                  </p:childTnLst>
+                                </p:cTn>
+                              </p:par>
+                              <p:par>
+                                <p:cTn id="7" presetID="1" presetClass="entr" presetSubtype="0" fill="hold" nodeType="withEffect">
+                                  <p:stCondLst>
+                                    <p:cond delay="0"/>
+                                  </p:stCondLst>
+                                  <p:childTnLst>
+                                    <p:set>
+                                      <p:cBhvr>
+                                        <p:cTn id="8" dur="1" fill="hold">
+                                          <p:stCondLst>
+                                            <p:cond delay="0"/>
+                                          </p:stCondLst>
+                                        </p:cTn>
+                                        <p:tgtEl>
+                                          <p:spTgt spid="11"/>
+                                        </p:tgtEl>
+                                        <p:attrNameLst>
+                                          <p:attrName>style.visibility</p:attrName>
+                                        </p:attrNameLst>
+                                      </p:cBhvr>
+                                      <p:to>
+                                        <p:strVal val="visible"/>
+                                      </p:to>
+                                    </p:set>
+                                  </p:childTnLst>
+                                </p:cTn>
+                              </p:par>
+                              <p:par>
+                                <p:cTn id="9" presetID="1" presetClass="entr" presetSubtype="0" fill="hold" nodeType="withEffect">
+                                  <p:stCondLst>
+                                    <p:cond delay="0"/>
+                                  </p:stCondLst>
+                                  <p:childTnLst>
+                                    <p:set>
+                                      <p:cBhvr>
+                                        <p:cTn id="10" dur="1" fill="hold">
+                                          <p:stCondLst>
+                                            <p:cond delay="0"/>
+                                          </p:stCondLst>
+                                        </p:cTn>
+                                        <p:tgtEl>
+                                          <p:spTgt spid="12"/>
+                                        </p:tgtEl>
+                                        <p:attrNameLst>
+                                          <p:attrName>style.visibility</p:attrName>
+                                        </p:attrNameLst>
+                                      </p:cBhvr>
+                                      <p:to>
+                                        <p:strVal val="visible"/>
+                                      </p:to>
+                                    </p:set>
+                                  </p:childTnLst>
+                                </p:cTn>
+                              </p:par>
+                            </p:childTnLst>
+                          </p:cTn>
+                        </p:par>
+                      </p:childTnLst>
+                    </p:cTn>
+                  </p:par>
+                  <p:par>
+                    <p:cTn id="11" fill="hold">
+                      <p:stCondLst>
+                        <p:cond delay="indefinite"/>
+                      </p:stCondLst>
+                      <p:childTnLst>
+                        <p:par>
+                          <p:cTn id="12" fill="hold">
+                            <p:stCondLst>
+                              <p:cond delay="0"/>
+                            </p:stCondLst>
+                            <p:childTnLst>
+                              <p:par>
+                                <p:cTn id="13" presetID="1" presetClass="entr" presetSubtype="0" fill="hold" grpId="0" nodeType="clickEffect">
+                                  <p:stCondLst>
+                                    <p:cond delay="0"/>
+                                  </p:stCondLst>
+                                  <p:childTnLst>
+                                    <p:set>
+                                      <p:cBhvr>
+                                        <p:cTn id="14" dur="1" fill="hold">
+                                          <p:stCondLst>
+                                            <p:cond delay="0"/>
+                                          </p:stCondLst>
+                                        </p:cTn>
+                                        <p:tgtEl>
+                                          <p:spTgt spid="21"/>
+                                        </p:tgtEl>
+                                        <p:attrNameLst>
+                                          <p:attrName>style.visibility</p:attrName>
+                                        </p:attrNameLst>
+                                      </p:cBhvr>
+                                      <p:to>
+                                        <p:strVal val="visible"/>
+                                      </p:to>
+                                    </p:set>
+                                  </p:childTnLst>
+                                </p:cTn>
+                              </p:par>
+                              <p:par>
+                                <p:cTn id="15" presetID="1" presetClass="exit" presetSubtype="0" fill="hold" nodeType="withEffect">
+                                  <p:stCondLst>
+                                    <p:cond delay="0"/>
+                                  </p:stCondLst>
+                                  <p:childTnLst>
+                                    <p:set>
+                                      <p:cBhvr>
+                                        <p:cTn id="16" dur="1" fill="hold">
+                                          <p:stCondLst>
+                                            <p:cond delay="0"/>
+                                          </p:stCondLst>
+                                        </p:cTn>
+                                        <p:tgtEl>
+                                          <p:spTgt spid="11"/>
+                                        </p:tgtEl>
+                                        <p:attrNameLst>
+                                          <p:attrName>style.visibility</p:attrName>
+                                        </p:attrNameLst>
+                                      </p:cBhvr>
+                                      <p:to>
+                                        <p:strVal val="hidden"/>
+                                      </p:to>
+                                    </p:set>
+                                  </p:childTnLst>
+                                </p:cTn>
+                              </p:par>
+                              <p:par>
+                                <p:cTn id="17" presetID="1" presetClass="exit" presetSubtype="0" fill="hold" nodeType="withEffect">
+                                  <p:stCondLst>
+                                    <p:cond delay="0"/>
+                                  </p:stCondLst>
+                                  <p:childTnLst>
+                                    <p:set>
+                                      <p:cBhvr>
+                                        <p:cTn id="18" dur="1" fill="hold">
+                                          <p:stCondLst>
+                                            <p:cond delay="0"/>
+                                          </p:stCondLst>
+                                        </p:cTn>
+                                        <p:tgtEl>
+                                          <p:spTgt spid="12"/>
+                                        </p:tgtEl>
+                                        <p:attrNameLst>
+                                          <p:attrName>style.visibility</p:attrName>
+                                        </p:attrNameLst>
+                                      </p:cBhvr>
+                                      <p:to>
+                                        <p:strVal val="hidden"/>
+                                      </p:to>
+                                    </p:set>
+                                  </p:childTnLst>
+                                </p:cTn>
+                              </p:par>
+                              <p:par>
+                                <p:cTn id="19" presetID="1" presetClass="entr" presetSubtype="0" fill="hold" nodeType="withEffect">
+                                  <p:stCondLst>
+                                    <p:cond delay="0"/>
+                                  </p:stCondLst>
+                                  <p:childTnLst>
+                                    <p:set>
+                                      <p:cBhvr>
+                                        <p:cTn id="20" dur="1" fill="hold">
+                                          <p:stCondLst>
+                                            <p:cond delay="0"/>
+                                          </p:stCondLst>
+                                        </p:cTn>
+                                        <p:tgtEl>
+                                          <p:spTgt spid="24"/>
+                                        </p:tgtEl>
+                                        <p:attrNameLst>
+                                          <p:attrName>style.visibility</p:attrName>
+                                        </p:attrNameLst>
+                                      </p:cBhvr>
+                                      <p:to>
+                                        <p:strVal val="visible"/>
+                                      </p:to>
+                                    </p:set>
+                                  </p:childTnLst>
+                                </p:cTn>
+                              </p:par>
+                            </p:childTnLst>
+                          </p:cTn>
+                        </p:par>
+                      </p:childTnLst>
+                    </p:cTn>
+                  </p:par>
+                  <p:par>
+                    <p:cTn id="21" fill="hold">
+                      <p:stCondLst>
+                        <p:cond delay="indefinite"/>
+                      </p:stCondLst>
+                      <p:childTnLst>
+                        <p:par>
+                          <p:cTn id="22" fill="hold">
+                            <p:stCondLst>
+                              <p:cond delay="0"/>
+                            </p:stCondLst>
+                            <p:childTnLst>
+                              <p:par>
+                                <p:cTn id="23" presetID="1" presetClass="entr" presetSubtype="0" fill="hold" grpId="0" nodeType="clickEffect">
+                                  <p:stCondLst>
+                                    <p:cond delay="0"/>
+                                  </p:stCondLst>
+                                  <p:childTnLst>
+                                    <p:set>
+                                      <p:cBhvr>
+                                        <p:cTn id="24" dur="1" fill="hold">
+                                          <p:stCondLst>
+                                            <p:cond delay="0"/>
+                                          </p:stCondLst>
+                                        </p:cTn>
+                                        <p:tgtEl>
+                                          <p:spTgt spid="19"/>
+                                        </p:tgtEl>
+                                        <p:attrNameLst>
+                                          <p:attrName>style.visibility</p:attrName>
+                                        </p:attrNameLst>
+                                      </p:cBhvr>
+                                      <p:to>
+                                        <p:strVal val="visible"/>
+                                      </p:to>
+                                    </p:set>
+                                  </p:childTnLst>
+                                </p:cTn>
+                              </p:par>
+                              <p:par>
+                                <p:cTn id="25" presetID="1" presetClass="exit" presetSubtype="0" fill="hold" nodeType="withEffect">
+                                  <p:stCondLst>
+                                    <p:cond delay="0"/>
+                                  </p:stCondLst>
+                                  <p:childTnLst>
+                                    <p:set>
+                                      <p:cBhvr>
+                                        <p:cTn id="26" dur="1" fill="hold">
+                                          <p:stCondLst>
+                                            <p:cond delay="0"/>
+                                          </p:stCondLst>
+                                        </p:cTn>
+                                        <p:tgtEl>
+                                          <p:spTgt spid="24"/>
+                                        </p:tgtEl>
+                                        <p:attrNameLst>
+                                          <p:attrName>style.visibility</p:attrName>
+                                        </p:attrNameLst>
+                                      </p:cBhvr>
+                                      <p:to>
+                                        <p:strVal val="hidden"/>
+                                      </p:to>
+                                    </p:set>
+                                  </p:childTnLst>
+                                </p:cTn>
+                              </p:par>
+                              <p:par>
+                                <p:cTn id="27" presetID="1" presetClass="entr" presetSubtype="0" fill="hold" nodeType="withEffect">
+                                  <p:stCondLst>
+                                    <p:cond delay="0"/>
+                                  </p:stCondLst>
+                                  <p:childTnLst>
+                                    <p:set>
+                                      <p:cBhvr>
+                                        <p:cTn id="28" dur="1" fill="hold">
+                                          <p:stCondLst>
+                                            <p:cond delay="0"/>
+                                          </p:stCondLst>
+                                        </p:cTn>
+                                        <p:tgtEl>
+                                          <p:spTgt spid="32"/>
+                                        </p:tgtEl>
+                                        <p:attrNameLst>
+                                          <p:attrName>style.visibility</p:attrName>
+                                        </p:attrNameLst>
+                                      </p:cBhvr>
+                                      <p:to>
+                                        <p:strVal val="visible"/>
+                                      </p:to>
+                                    </p:set>
+                                  </p:childTnLst>
+                                </p:cTn>
+                              </p:par>
+                            </p:childTnLst>
+                          </p:cTn>
+                        </p:par>
+                      </p:childTnLst>
+                    </p:cTn>
+                  </p:par>
+                </p:childTnLst>
+              </p:cTn>
+              <p:prevCondLst>
+                <p:cond evt="onPrev" delay="0">
+                  <p:tgtEl>
+                    <p:sldTgt/>
+                  </p:tgtEl>
+                </p:cond>
+              </p:prevCondLst>
+              <p:nextCondLst>
+                <p:cond evt="onNext" delay="0">
+                  <p:tgtEl>
+                    <p:sldTgt/>
+                  </p:tgtEl>
+                </p:cond>
+              </p:nextCondLst>
+            </p:seq>
+          </p:childTnLst>
+        </p:cTn>
+      </p:par>
+    </p:tnLst>
+    <p:bldLst>
+      <p:bldP spid="18" grpId="0"/>
+      <p:bldP spid="19" grpId="0"/>
+      <p:bldP spid="21" grpId="0"/>
+    </p:bldLst>
+  </p:timing>
+</p:sld>
+</file>
+
+<file path=ppt/slides/slide5.xml><?xml version="1.0" encoding="utf-8"?>
+<p:sld xmlns:a="http://schemas.openxmlformats.org/drawingml/2006/main" xmlns:r="http://schemas.openxmlformats.org/officeDocument/2006/relationships" xmlns:p="http://schemas.openxmlformats.org/presentationml/2006/main">
+  <p:cSld>
+    <p:bg>
+      <p:bgPr>
+        <a:gradFill>
+          <a:gsLst>
+            <a:gs pos="0">
+              <a:schemeClr val="accent5">
+                <a:lumMod val="40000"/>
+                <a:lumOff val="60000"/>
+              </a:schemeClr>
+            </a:gs>
+            <a:gs pos="100000">
+              <a:schemeClr val="accent5">
+                <a:lumMod val="60000"/>
+                <a:lumOff val="40000"/>
+              </a:schemeClr>
+            </a:gs>
+          </a:gsLst>
+          <a:path path="rect">
+            <a:fillToRect l="100000" t="100000"/>
+          </a:path>
+        </a:gradFill>
+        <a:effectLst/>
+      </p:bgPr>
+    </p:bg>
+    <p:spTree>
+      <p:nvGrpSpPr>
+        <p:cNvPr id="1" name=""/>
+        <p:cNvGrpSpPr/>
+        <p:nvPr/>
+      </p:nvGrpSpPr>
+      <p:grpSpPr>
+        <a:xfrm>
+          <a:off x="0" y="0"/>
+          <a:ext cx="0" cy="0"/>
+          <a:chOff x="0" y="0"/>
+          <a:chExt cx="0" cy="0"/>
+        </a:xfrm>
+      </p:grpSpPr>
+      <p:sp>
+        <p:nvSpPr>
+          <p:cNvPr id="17" name="Content Placeholder 8">
+            <a:extLst>
+              <a:ext uri="{FF2B5EF4-FFF2-40B4-BE49-F238E27FC236}">
+                <a16:creationId xmlns:a16="http://schemas.microsoft.com/office/drawing/2014/main" id="{14916769-8988-4131-9A54-D78A4FF4B925}"/>
+              </a:ext>
+            </a:extLst>
+          </p:cNvPr>
+          <p:cNvSpPr txBox="1">
+            <a:spLocks/>
+          </p:cNvSpPr>
+          <p:nvPr/>
+        </p:nvSpPr>
+        <p:spPr>
+          <a:xfrm>
+            <a:off x="417576" y="301781"/>
+            <a:ext cx="4375141" cy="6438234"/>
+          </a:xfrm>
+          <a:prstGeom prst="rect">
+            <a:avLst/>
+          </a:prstGeom>
+          <a:solidFill>
+            <a:schemeClr val="accent5">
+              <a:lumMod val="40000"/>
+              <a:lumOff val="60000"/>
+            </a:schemeClr>
+          </a:solidFill>
+        </p:spPr>
+        <p:txBody>
+          <a:bodyPr vert="horz" lIns="91440" tIns="45720" rIns="91440" bIns="45720" rtlCol="0">
+            <a:normAutofit/>
+          </a:bodyPr>
+          <a:lstStyle>
+            <a:lvl1pPr marL="91440" indent="-91440" algn="l" defTabSz="914400" rtl="0" eaLnBrk="1" latinLnBrk="0" hangingPunct="1">
+              <a:lnSpc>
+                <a:spcPct val="90000"/>
+              </a:lnSpc>
+              <a:spcBef>
+                <a:spcPts val="1200"/>
+              </a:spcBef>
+              <a:spcAft>
+                <a:spcPts val="200"/>
+              </a:spcAft>
+              <a:buClr>
+                <a:schemeClr val="accent1"/>
+              </a:buClr>
+              <a:buSzPct val="100000"/>
+              <a:buFont typeface="Tw Cen MT" panose="020B0602020104020603" pitchFamily="34" charset="0"/>
+              <a:buChar char=" "/>
+              <a:defRPr sz="2400" kern="1200">
+                <a:solidFill>
+                  <a:schemeClr val="tx1"/>
+                </a:solidFill>
+                <a:latin typeface="+mn-lt"/>
+                <a:ea typeface="+mn-ea"/>
+                <a:cs typeface="+mn-cs"/>
+              </a:defRPr>
+            </a:lvl1pPr>
+            <a:lvl2pPr marL="265176" indent="-137160" algn="l" defTabSz="914400" rtl="0" eaLnBrk="1" latinLnBrk="0" hangingPunct="1">
+              <a:lnSpc>
+                <a:spcPct val="90000"/>
+              </a:lnSpc>
+              <a:spcBef>
+                <a:spcPts val="200"/>
+              </a:spcBef>
+              <a:spcAft>
+                <a:spcPts val="400"/>
+              </a:spcAft>
+              <a:buClr>
+                <a:schemeClr val="accent1"/>
+              </a:buClr>
+              <a:buFont typeface="Wingdings 3" pitchFamily="18" charset="2"/>
+              <a:buChar char=""/>
+              <a:defRPr sz="2000" kern="1200">
+                <a:solidFill>
+                  <a:schemeClr val="tx1"/>
+                </a:solidFill>
+                <a:latin typeface="+mn-lt"/>
+                <a:ea typeface="+mn-ea"/>
+                <a:cs typeface="+mn-cs"/>
+              </a:defRPr>
+            </a:lvl2pPr>
+            <a:lvl3pPr marL="448056" indent="-137160" algn="l" defTabSz="914400" rtl="0" eaLnBrk="1" latinLnBrk="0" hangingPunct="1">
+              <a:lnSpc>
+                <a:spcPct val="90000"/>
+              </a:lnSpc>
+              <a:spcBef>
+                <a:spcPts val="200"/>
+              </a:spcBef>
+              <a:spcAft>
+                <a:spcPts val="400"/>
+              </a:spcAft>
+              <a:buClr>
+                <a:schemeClr val="accent1"/>
+              </a:buClr>
+              <a:buFont typeface="Wingdings 3" pitchFamily="18" charset="2"/>
+              <a:buChar char=""/>
+              <a:defRPr sz="1600" kern="1200">
+                <a:solidFill>
+                  <a:schemeClr val="tx1"/>
+                </a:solidFill>
+                <a:latin typeface="+mn-lt"/>
+                <a:ea typeface="+mn-ea"/>
+                <a:cs typeface="+mn-cs"/>
+              </a:defRPr>
+            </a:lvl3pPr>
+            <a:lvl4pPr marL="594360" indent="-137160" algn="l" defTabSz="914400" rtl="0" eaLnBrk="1" latinLnBrk="0" hangingPunct="1">
+              <a:lnSpc>
+                <a:spcPct val="90000"/>
+              </a:lnSpc>
+              <a:spcBef>
+                <a:spcPts val="200"/>
+              </a:spcBef>
+              <a:spcAft>
+                <a:spcPts val="400"/>
+              </a:spcAft>
+              <a:buClr>
+                <a:schemeClr val="accent1"/>
+              </a:buClr>
+              <a:buFont typeface="Wingdings 3" pitchFamily="18" charset="2"/>
+              <a:buChar char=""/>
+              <a:defRPr sz="1600" kern="1200">
+                <a:solidFill>
+                  <a:schemeClr val="tx1"/>
+                </a:solidFill>
+                <a:latin typeface="+mn-lt"/>
+                <a:ea typeface="+mn-ea"/>
+                <a:cs typeface="+mn-cs"/>
+              </a:defRPr>
+            </a:lvl4pPr>
+            <a:lvl5pPr marL="777240" indent="-137160" algn="l" defTabSz="914400" rtl="0" eaLnBrk="1" latinLnBrk="0" hangingPunct="1">
+              <a:lnSpc>
+                <a:spcPct val="90000"/>
+              </a:lnSpc>
+              <a:spcBef>
+                <a:spcPts val="200"/>
+              </a:spcBef>
+              <a:spcAft>
+                <a:spcPts val="400"/>
+              </a:spcAft>
+              <a:buClr>
+                <a:schemeClr val="accent1"/>
+              </a:buClr>
+              <a:buFont typeface="Wingdings 3" pitchFamily="18" charset="2"/>
+              <a:buChar char=""/>
+              <a:defRPr sz="1600" kern="1200">
+                <a:solidFill>
+                  <a:schemeClr val="tx1"/>
+                </a:solidFill>
+                <a:latin typeface="+mn-lt"/>
+                <a:ea typeface="+mn-ea"/>
+                <a:cs typeface="+mn-cs"/>
+              </a:defRPr>
+            </a:lvl5pPr>
+            <a:lvl6pPr marL="914400" indent="-137160" algn="l" defTabSz="914400" rtl="0" eaLnBrk="1" latinLnBrk="0" hangingPunct="1">
+              <a:lnSpc>
+                <a:spcPct val="90000"/>
+              </a:lnSpc>
+              <a:spcBef>
+                <a:spcPts val="200"/>
+              </a:spcBef>
+              <a:spcAft>
+                <a:spcPts val="400"/>
+              </a:spcAft>
+              <a:buClr>
+                <a:schemeClr val="accent1"/>
+              </a:buClr>
+              <a:buFont typeface="Wingdings 3" pitchFamily="18" charset="2"/>
+              <a:buChar char=""/>
+              <a:defRPr sz="1600" kern="1200">
+                <a:solidFill>
+                  <a:schemeClr val="tx1"/>
+                </a:solidFill>
+                <a:latin typeface="+mn-lt"/>
+                <a:ea typeface="+mn-ea"/>
+                <a:cs typeface="+mn-cs"/>
+              </a:defRPr>
+            </a:lvl6pPr>
+            <a:lvl7pPr marL="1060704" indent="-137160" algn="l" defTabSz="914400" rtl="0" eaLnBrk="1" latinLnBrk="0" hangingPunct="1">
+              <a:lnSpc>
+                <a:spcPct val="90000"/>
+              </a:lnSpc>
+              <a:spcBef>
+                <a:spcPts val="200"/>
+              </a:spcBef>
+              <a:spcAft>
+                <a:spcPts val="400"/>
+              </a:spcAft>
+              <a:buClr>
+                <a:schemeClr val="accent1"/>
+              </a:buClr>
+              <a:buFont typeface="Wingdings 3" pitchFamily="18" charset="2"/>
+              <a:buChar char=""/>
+              <a:defRPr sz="1600" kern="1200">
+                <a:solidFill>
+                  <a:schemeClr val="tx1"/>
+                </a:solidFill>
+                <a:latin typeface="+mn-lt"/>
+                <a:ea typeface="+mn-ea"/>
+                <a:cs typeface="+mn-cs"/>
+              </a:defRPr>
+            </a:lvl7pPr>
+            <a:lvl8pPr marL="1216152" indent="-137160" algn="l" defTabSz="914400" rtl="0" eaLnBrk="1" latinLnBrk="0" hangingPunct="1">
+              <a:lnSpc>
+                <a:spcPct val="90000"/>
+              </a:lnSpc>
+              <a:spcBef>
+                <a:spcPts val="200"/>
+              </a:spcBef>
+              <a:spcAft>
+                <a:spcPts val="400"/>
+              </a:spcAft>
+              <a:buClr>
+                <a:schemeClr val="accent1"/>
+              </a:buClr>
+              <a:buFont typeface="Wingdings 3" pitchFamily="18" charset="2"/>
+              <a:buChar char=""/>
+              <a:defRPr sz="1600" kern="1200">
+                <a:solidFill>
+                  <a:schemeClr val="tx1"/>
+                </a:solidFill>
+                <a:latin typeface="+mn-lt"/>
+                <a:ea typeface="+mn-ea"/>
+                <a:cs typeface="+mn-cs"/>
+              </a:defRPr>
+            </a:lvl8pPr>
+            <a:lvl9pPr marL="1362456" indent="-137160" algn="l" defTabSz="914400" rtl="0" eaLnBrk="1" latinLnBrk="0" hangingPunct="1">
+              <a:lnSpc>
+                <a:spcPct val="90000"/>
+              </a:lnSpc>
+              <a:spcBef>
+                <a:spcPts val="200"/>
+              </a:spcBef>
+              <a:spcAft>
+                <a:spcPts val="400"/>
+              </a:spcAft>
+              <a:buClr>
+                <a:schemeClr val="accent1"/>
+              </a:buClr>
+              <a:buFont typeface="Wingdings 3" pitchFamily="18" charset="2"/>
+              <a:buChar char=""/>
+              <a:defRPr sz="1600" kern="1200">
+                <a:solidFill>
+                  <a:schemeClr val="tx1"/>
+                </a:solidFill>
+                <a:latin typeface="+mn-lt"/>
+                <a:ea typeface="+mn-ea"/>
+                <a:cs typeface="+mn-cs"/>
+              </a:defRPr>
+            </a:lvl9pPr>
+          </a:lstStyle>
+          <a:p>
+            <a:pPr marL="128016" lvl="1" indent="0">
+              <a:buFont typeface="Wingdings 3" pitchFamily="18" charset="2"/>
+              <a:buNone/>
+            </a:pPr>
+            <a:r>
+              <a:rPr lang="en-US" sz="3200" dirty="0">
+                <a:solidFill>
+                  <a:schemeClr val="accent5">
+                    <a:lumMod val="50000"/>
+                  </a:schemeClr>
+                </a:solidFill>
+                <a:latin typeface="Times New Roman" panose="02020603050405020304" pitchFamily="18" charset="0"/>
+                <a:cs typeface="Times New Roman" panose="02020603050405020304" pitchFamily="18" charset="0"/>
+              </a:rPr>
+              <a:t>HTTPS and TLS</a:t>
+            </a:r>
+          </a:p>
+        </p:txBody>
+      </p:sp>
+      <p:sp>
+        <p:nvSpPr>
+          <p:cNvPr id="18" name="TextBox 17">
+            <a:extLst>
+              <a:ext uri="{FF2B5EF4-FFF2-40B4-BE49-F238E27FC236}">
+                <a16:creationId xmlns:a16="http://schemas.microsoft.com/office/drawing/2014/main" id="{687111E4-005E-4E8B-B322-940BF407598A}"/>
+              </a:ext>
+            </a:extLst>
+          </p:cNvPr>
+          <p:cNvSpPr txBox="1"/>
+          <p:nvPr/>
+        </p:nvSpPr>
+        <p:spPr>
+          <a:xfrm>
+            <a:off x="950716" y="1595443"/>
+            <a:ext cx="2814639" cy="1200329"/>
+          </a:xfrm>
+          <a:prstGeom prst="rect">
+            <a:avLst/>
+          </a:prstGeom>
+          <a:noFill/>
+        </p:spPr>
+        <p:txBody>
+          <a:bodyPr wrap="square" rtlCol="0">
+            <a:spAutoFit/>
+          </a:bodyPr>
+          <a:lstStyle/>
+          <a:p>
+            <a:r>
+              <a:rPr lang="en-US" dirty="0">
+                <a:latin typeface="Times New Roman" panose="02020603050405020304" pitchFamily="18" charset="0"/>
+                <a:cs typeface="Times New Roman" panose="02020603050405020304" pitchFamily="18" charset="0"/>
+              </a:rPr>
+              <a:t>What is TLS? (Transport Layer Security, previously known as SSL or Secure Sockets Layer)</a:t>
+            </a:r>
+          </a:p>
+        </p:txBody>
+      </p:sp>
+      <p:sp>
+        <p:nvSpPr>
+          <p:cNvPr id="21" name="TextBox 20">
+            <a:extLst>
+              <a:ext uri="{FF2B5EF4-FFF2-40B4-BE49-F238E27FC236}">
+                <a16:creationId xmlns:a16="http://schemas.microsoft.com/office/drawing/2014/main" id="{71FDA155-8FA0-4784-8976-F8CEC8A16951}"/>
+              </a:ext>
+            </a:extLst>
+          </p:cNvPr>
+          <p:cNvSpPr txBox="1"/>
+          <p:nvPr/>
+        </p:nvSpPr>
+        <p:spPr>
+          <a:xfrm>
+            <a:off x="920205" y="5425601"/>
+            <a:ext cx="2814639" cy="646331"/>
+          </a:xfrm>
+          <a:prstGeom prst="rect">
+            <a:avLst/>
+          </a:prstGeom>
+          <a:noFill/>
+        </p:spPr>
+        <p:txBody>
+          <a:bodyPr wrap="square" rtlCol="0">
+            <a:spAutoFit/>
+          </a:bodyPr>
+          <a:lstStyle/>
+          <a:p>
+            <a:r>
+              <a:rPr lang="en-US" dirty="0">
+                <a:latin typeface="Times New Roman" panose="02020603050405020304" pitchFamily="18" charset="0"/>
+                <a:cs typeface="Times New Roman" panose="02020603050405020304" pitchFamily="18" charset="0"/>
+              </a:rPr>
+              <a:t>Now that we have a valid certificate …</a:t>
+            </a:r>
+          </a:p>
+        </p:txBody>
+      </p:sp>
+      <p:sp>
+        <p:nvSpPr>
+          <p:cNvPr id="20" name="TextBox 19">
+            <a:extLst>
+              <a:ext uri="{FF2B5EF4-FFF2-40B4-BE49-F238E27FC236}">
+                <a16:creationId xmlns:a16="http://schemas.microsoft.com/office/drawing/2014/main" id="{72B26DD4-E822-4AF8-A9BC-360CC870DE87}"/>
+              </a:ext>
+            </a:extLst>
+          </p:cNvPr>
+          <p:cNvSpPr txBox="1"/>
+          <p:nvPr/>
+        </p:nvSpPr>
+        <p:spPr>
+          <a:xfrm>
+            <a:off x="920205" y="3787521"/>
+            <a:ext cx="3228251" cy="646331"/>
+          </a:xfrm>
+          <a:prstGeom prst="rect">
+            <a:avLst/>
+          </a:prstGeom>
+          <a:noFill/>
+        </p:spPr>
+        <p:txBody>
+          <a:bodyPr wrap="square" rtlCol="0">
+            <a:spAutoFit/>
+          </a:bodyPr>
+          <a:lstStyle/>
+          <a:p>
+            <a:r>
+              <a:rPr lang="en-US" dirty="0">
+                <a:latin typeface="Times New Roman" panose="02020603050405020304" pitchFamily="18" charset="0"/>
+                <a:cs typeface="Times New Roman" panose="02020603050405020304" pitchFamily="18" charset="0"/>
+              </a:rPr>
+              <a:t>TLS Certificates (Self-signed vs. CA issued)</a:t>
+            </a:r>
+          </a:p>
+        </p:txBody>
+      </p:sp>
+      <p:grpSp>
+        <p:nvGrpSpPr>
+          <p:cNvPr id="6" name="Group 5">
+            <a:extLst>
+              <a:ext uri="{FF2B5EF4-FFF2-40B4-BE49-F238E27FC236}">
+                <a16:creationId xmlns:a16="http://schemas.microsoft.com/office/drawing/2014/main" id="{85413966-7540-444B-9E0E-A7B1C7BA5127}"/>
+              </a:ext>
+            </a:extLst>
+          </p:cNvPr>
+          <p:cNvGrpSpPr/>
+          <p:nvPr/>
+        </p:nvGrpSpPr>
+        <p:grpSpPr>
+          <a:xfrm>
+            <a:off x="5237663" y="1252489"/>
+            <a:ext cx="6003620" cy="4353021"/>
+            <a:chOff x="5239404" y="536940"/>
+            <a:chExt cx="6003620" cy="4353021"/>
+          </a:xfrm>
+        </p:grpSpPr>
+        <p:pic>
+          <p:nvPicPr>
+            <p:cNvPr id="3" name="Picture 2">
+              <a:extLst>
+                <a:ext uri="{FF2B5EF4-FFF2-40B4-BE49-F238E27FC236}">
+                  <a16:creationId xmlns:a16="http://schemas.microsoft.com/office/drawing/2014/main" id="{67597C43-5553-4CB7-A95F-8FF132352C21}"/>
+                </a:ext>
+              </a:extLst>
+            </p:cNvPr>
+            <p:cNvPicPr>
+              <a:picLocks noChangeAspect="1"/>
+            </p:cNvPicPr>
+            <p:nvPr/>
+          </p:nvPicPr>
+          <p:blipFill>
+            <a:blip r:embed="rId3"/>
+            <a:stretch>
+              <a:fillRect/>
+            </a:stretch>
+          </p:blipFill>
+          <p:spPr>
+            <a:xfrm>
+              <a:off x="5635427" y="536940"/>
+              <a:ext cx="5220429" cy="3153215"/>
+            </a:xfrm>
+            <a:prstGeom prst="rect">
+              <a:avLst/>
+            </a:prstGeom>
+          </p:spPr>
+        </p:pic>
+        <p:pic>
+          <p:nvPicPr>
+            <p:cNvPr id="5" name="Picture 4">
+              <a:extLst>
+                <a:ext uri="{FF2B5EF4-FFF2-40B4-BE49-F238E27FC236}">
+                  <a16:creationId xmlns:a16="http://schemas.microsoft.com/office/drawing/2014/main" id="{BD08A2AF-C3E9-4491-B05E-122BC2F13828}"/>
+                </a:ext>
+              </a:extLst>
+            </p:cNvPr>
+            <p:cNvPicPr>
+              <a:picLocks noChangeAspect="1"/>
+            </p:cNvPicPr>
+            <p:nvPr/>
+          </p:nvPicPr>
+          <p:blipFill>
+            <a:blip r:embed="rId4"/>
+            <a:stretch>
+              <a:fillRect/>
+            </a:stretch>
+          </p:blipFill>
+          <p:spPr>
+            <a:xfrm>
+              <a:off x="5239404" y="3857438"/>
+              <a:ext cx="6003620" cy="1032523"/>
+            </a:xfrm>
+            <a:prstGeom prst="rect">
+              <a:avLst/>
+            </a:prstGeom>
+          </p:spPr>
+        </p:pic>
+      </p:grpSp>
+      <p:grpSp>
+        <p:nvGrpSpPr>
+          <p:cNvPr id="22" name="Group 21">
+            <a:extLst>
+              <a:ext uri="{FF2B5EF4-FFF2-40B4-BE49-F238E27FC236}">
+                <a16:creationId xmlns:a16="http://schemas.microsoft.com/office/drawing/2014/main" id="{9ECEFBE3-59F4-48DF-A565-74840C96A377}"/>
+              </a:ext>
+            </a:extLst>
+          </p:cNvPr>
+          <p:cNvGrpSpPr/>
+          <p:nvPr/>
+        </p:nvGrpSpPr>
+        <p:grpSpPr>
+          <a:xfrm>
+            <a:off x="5243859" y="871929"/>
+            <a:ext cx="5991225" cy="4684109"/>
+            <a:chOff x="5243859" y="871929"/>
+            <a:chExt cx="5991225" cy="4684109"/>
+          </a:xfrm>
+        </p:grpSpPr>
+        <p:pic>
+          <p:nvPicPr>
+            <p:cNvPr id="9" name="Picture 8">
+              <a:extLst>
+                <a:ext uri="{FF2B5EF4-FFF2-40B4-BE49-F238E27FC236}">
+                  <a16:creationId xmlns:a16="http://schemas.microsoft.com/office/drawing/2014/main" id="{7F3A6363-9C7E-4133-9AA5-39E2A7C5BF7F}"/>
+                </a:ext>
+              </a:extLst>
+            </p:cNvPr>
+            <p:cNvPicPr>
+              <a:picLocks noChangeAspect="1"/>
+            </p:cNvPicPr>
+            <p:nvPr/>
+          </p:nvPicPr>
+          <p:blipFill>
+            <a:blip r:embed="rId5"/>
+            <a:stretch>
+              <a:fillRect/>
+            </a:stretch>
+          </p:blipFill>
+          <p:spPr>
+            <a:xfrm>
+              <a:off x="5734048" y="4622458"/>
+              <a:ext cx="5010849" cy="933580"/>
+            </a:xfrm>
+            <a:prstGeom prst="rect">
+              <a:avLst/>
+            </a:prstGeom>
+          </p:spPr>
+        </p:pic>
+        <p:pic>
+          <p:nvPicPr>
+            <p:cNvPr id="15" name="Picture 14" descr="Graphical user interface, text, application, email&#10;&#10;Description automatically generated">
+              <a:extLst>
+                <a:ext uri="{FF2B5EF4-FFF2-40B4-BE49-F238E27FC236}">
+                  <a16:creationId xmlns:a16="http://schemas.microsoft.com/office/drawing/2014/main" id="{741FD9BD-E94D-4168-8CA8-F0FC077CCA55}"/>
+                </a:ext>
+              </a:extLst>
+            </p:cNvPr>
+            <p:cNvPicPr>
+              <a:picLocks noChangeAspect="1"/>
+            </p:cNvPicPr>
+            <p:nvPr/>
+          </p:nvPicPr>
+          <p:blipFill>
+            <a:blip r:embed="rId6"/>
+            <a:stretch>
+              <a:fillRect/>
+            </a:stretch>
+          </p:blipFill>
+          <p:spPr>
+            <a:xfrm>
+              <a:off x="5243859" y="871929"/>
+              <a:ext cx="5991225" cy="3533775"/>
+            </a:xfrm>
+            <a:prstGeom prst="rect">
+              <a:avLst/>
+            </a:prstGeom>
+          </p:spPr>
+        </p:pic>
+      </p:grpSp>
+      <p:grpSp>
+        <p:nvGrpSpPr>
+          <p:cNvPr id="34" name="Group 33">
+            <a:extLst>
+              <a:ext uri="{FF2B5EF4-FFF2-40B4-BE49-F238E27FC236}">
+                <a16:creationId xmlns:a16="http://schemas.microsoft.com/office/drawing/2014/main" id="{E16BB495-3ABA-4D8F-96E9-06931A5BFBB9}"/>
+              </a:ext>
+            </a:extLst>
+          </p:cNvPr>
+          <p:cNvGrpSpPr/>
+          <p:nvPr/>
+        </p:nvGrpSpPr>
+        <p:grpSpPr>
+          <a:xfrm>
+            <a:off x="5734048" y="218799"/>
+            <a:ext cx="5010850" cy="6465193"/>
+            <a:chOff x="5734048" y="218799"/>
+            <a:chExt cx="5010850" cy="6465193"/>
+          </a:xfrm>
+        </p:grpSpPr>
+        <p:pic>
+          <p:nvPicPr>
+            <p:cNvPr id="28" name="Picture 27" descr="Text&#10;&#10;Description automatically generated">
+              <a:extLst>
+                <a:ext uri="{FF2B5EF4-FFF2-40B4-BE49-F238E27FC236}">
+                  <a16:creationId xmlns:a16="http://schemas.microsoft.com/office/drawing/2014/main" id="{99562547-E017-4D4A-8DEE-1596C9D8DC72}"/>
+                </a:ext>
+              </a:extLst>
+            </p:cNvPr>
+            <p:cNvPicPr>
+              <a:picLocks noChangeAspect="1"/>
+            </p:cNvPicPr>
+            <p:nvPr/>
+          </p:nvPicPr>
+          <p:blipFill>
+            <a:blip r:embed="rId7"/>
+            <a:stretch>
+              <a:fillRect/>
+            </a:stretch>
+          </p:blipFill>
+          <p:spPr>
+            <a:xfrm>
+              <a:off x="5986094" y="218799"/>
+              <a:ext cx="4506753" cy="3019921"/>
+            </a:xfrm>
+            <a:prstGeom prst="rect">
+              <a:avLst/>
+            </a:prstGeom>
+          </p:spPr>
+        </p:pic>
+        <p:pic>
+          <p:nvPicPr>
+            <p:cNvPr id="33" name="Picture 32" descr="Text&#10;&#10;Description automatically generated">
+              <a:extLst>
+                <a:ext uri="{FF2B5EF4-FFF2-40B4-BE49-F238E27FC236}">
+                  <a16:creationId xmlns:a16="http://schemas.microsoft.com/office/drawing/2014/main" id="{575CA4FB-DB8A-4A7E-BC9A-BA946CAC7B59}"/>
+                </a:ext>
+              </a:extLst>
+            </p:cNvPr>
+            <p:cNvPicPr>
+              <a:picLocks noChangeAspect="1"/>
+            </p:cNvPicPr>
+            <p:nvPr/>
+          </p:nvPicPr>
+          <p:blipFill>
+            <a:blip r:embed="rId8"/>
+            <a:stretch>
+              <a:fillRect/>
+            </a:stretch>
+          </p:blipFill>
+          <p:spPr>
+            <a:xfrm>
+              <a:off x="5734048" y="3268253"/>
+              <a:ext cx="5010850" cy="3415739"/>
+            </a:xfrm>
+            <a:prstGeom prst="rect">
+              <a:avLst/>
+            </a:prstGeom>
+          </p:spPr>
+        </p:pic>
+      </p:grpSp>
+    </p:spTree>
+    <p:extLst>
+      <p:ext uri="{BB962C8B-B14F-4D97-AF65-F5344CB8AC3E}">
+        <p14:creationId xmlns:p14="http://schemas.microsoft.com/office/powerpoint/2010/main" val="1099878154"/>
+      </p:ext>
+    </p:extLst>
+  </p:cSld>
+  <p:clrMapOvr>
+    <a:masterClrMapping/>
+  </p:clrMapOvr>
+  <p:timing>
+    <p:tnLst>
+      <p:par>
+        <p:cTn id="1" dur="indefinite" restart="never" nodeType="tmRoot">
+          <p:childTnLst>
+            <p:seq concurrent="1" nextAc="seek">
+              <p:cTn id="2" dur="indefinite" nodeType="mainSeq">
+                <p:childTnLst>
+                  <p:par>
+                    <p:cTn id="3" fill="hold">
+                      <p:stCondLst>
+                        <p:cond delay="indefinite"/>
+                      </p:stCondLst>
+                      <p:childTnLst>
+                        <p:par>
+                          <p:cTn id="4" fill="hold">
+                            <p:stCondLst>
+                              <p:cond delay="0"/>
+                            </p:stCondLst>
+                            <p:childTnLst>
+                              <p:par>
+                                <p:cTn id="5" presetID="1" presetClass="entr" presetSubtype="0" fill="hold" grpId="0" nodeType="clickEffect">
+                                  <p:stCondLst>
+                                    <p:cond delay="0"/>
+                                  </p:stCondLst>
+                                  <p:childTnLst>
+                                    <p:set>
+                                      <p:cBhvr>
+                                        <p:cTn id="6" dur="1" fill="hold">
+                                          <p:stCondLst>
+                                            <p:cond delay="0"/>
+                                          </p:stCondLst>
+                                        </p:cTn>
+                                        <p:tgtEl>
+                                          <p:spTgt spid="18"/>
+                                        </p:tgtEl>
+                                        <p:attrNameLst>
+                                          <p:attrName>style.visibility</p:attrName>
+                                        </p:attrNameLst>
+                                      </p:cBhvr>
+                                      <p:to>
+                                        <p:strVal val="visible"/>
+                                      </p:to>
+                                    </p:set>
+                                  </p:childTnLst>
+                                </p:cTn>
+                              </p:par>
+                              <p:par>
+                                <p:cTn id="7" presetID="1" presetClass="entr" presetSubtype="0" fill="hold" nodeType="withEffect">
+                                  <p:stCondLst>
+                                    <p:cond delay="0"/>
+                                  </p:stCondLst>
+                                  <p:childTnLst>
+                                    <p:set>
+                                      <p:cBhvr>
+                                        <p:cTn id="8" dur="1" fill="hold">
+                                          <p:stCondLst>
+                                            <p:cond delay="0"/>
+                                          </p:stCondLst>
+                                        </p:cTn>
+                                        <p:tgtEl>
+                                          <p:spTgt spid="6"/>
+                                        </p:tgtEl>
+                                        <p:attrNameLst>
+                                          <p:attrName>style.visibility</p:attrName>
+                                        </p:attrNameLst>
+                                      </p:cBhvr>
+                                      <p:to>
+                                        <p:strVal val="visible"/>
+                                      </p:to>
+                                    </p:set>
+                                  </p:childTnLst>
+                                </p:cTn>
+                              </p:par>
+                            </p:childTnLst>
+                          </p:cTn>
+                        </p:par>
+                      </p:childTnLst>
+                    </p:cTn>
+                  </p:par>
+                  <p:par>
+                    <p:cTn id="9" fill="hold">
+                      <p:stCondLst>
+                        <p:cond delay="indefinite"/>
+                      </p:stCondLst>
+                      <p:childTnLst>
+                        <p:par>
+                          <p:cTn id="10" fill="hold">
+                            <p:stCondLst>
+                              <p:cond delay="0"/>
+                            </p:stCondLst>
+                            <p:childTnLst>
+                              <p:par>
+                                <p:cTn id="11" presetID="1" presetClass="entr" presetSubtype="0" fill="hold" grpId="0" nodeType="clickEffect">
+                                  <p:stCondLst>
+                                    <p:cond delay="0"/>
+                                  </p:stCondLst>
+                                  <p:childTnLst>
+                                    <p:set>
+                                      <p:cBhvr>
+                                        <p:cTn id="12" dur="1" fill="hold">
+                                          <p:stCondLst>
+                                            <p:cond delay="0"/>
+                                          </p:stCondLst>
+                                        </p:cTn>
+                                        <p:tgtEl>
+                                          <p:spTgt spid="20"/>
+                                        </p:tgtEl>
+                                        <p:attrNameLst>
+                                          <p:attrName>style.visibility</p:attrName>
+                                        </p:attrNameLst>
+                                      </p:cBhvr>
+                                      <p:to>
+                                        <p:strVal val="visible"/>
+                                      </p:to>
+                                    </p:set>
+                                  </p:childTnLst>
+                                </p:cTn>
+                              </p:par>
+                              <p:par>
+                                <p:cTn id="13" presetID="1" presetClass="entr" presetSubtype="0" fill="hold" nodeType="withEffect">
+                                  <p:stCondLst>
+                                    <p:cond delay="0"/>
+                                  </p:stCondLst>
+                                  <p:childTnLst>
+                                    <p:set>
+                                      <p:cBhvr>
+                                        <p:cTn id="14" dur="1" fill="hold">
+                                          <p:stCondLst>
+                                            <p:cond delay="0"/>
+                                          </p:stCondLst>
+                                        </p:cTn>
+                                        <p:tgtEl>
+                                          <p:spTgt spid="22"/>
+                                        </p:tgtEl>
+                                        <p:attrNameLst>
+                                          <p:attrName>style.visibility</p:attrName>
+                                        </p:attrNameLst>
+                                      </p:cBhvr>
+                                      <p:to>
+                                        <p:strVal val="visible"/>
+                                      </p:to>
+                                    </p:set>
+                                  </p:childTnLst>
+                                </p:cTn>
+                              </p:par>
+                              <p:par>
+                                <p:cTn id="15" presetID="1" presetClass="exit" presetSubtype="0" fill="hold" nodeType="withEffect">
+                                  <p:stCondLst>
+                                    <p:cond delay="0"/>
+                                  </p:stCondLst>
+                                  <p:childTnLst>
+                                    <p:set>
+                                      <p:cBhvr>
+                                        <p:cTn id="16" dur="1" fill="hold">
+                                          <p:stCondLst>
+                                            <p:cond delay="0"/>
+                                          </p:stCondLst>
+                                        </p:cTn>
+                                        <p:tgtEl>
+                                          <p:spTgt spid="6"/>
+                                        </p:tgtEl>
+                                        <p:attrNameLst>
+                                          <p:attrName>style.visibility</p:attrName>
+                                        </p:attrNameLst>
+                                      </p:cBhvr>
+                                      <p:to>
+                                        <p:strVal val="hidden"/>
+                                      </p:to>
+                                    </p:set>
+                                  </p:childTnLst>
+                                </p:cTn>
+                              </p:par>
+                            </p:childTnLst>
+                          </p:cTn>
+                        </p:par>
+                      </p:childTnLst>
+                    </p:cTn>
+                  </p:par>
+                  <p:par>
+                    <p:cTn id="17" fill="hold">
+                      <p:stCondLst>
+                        <p:cond delay="indefinite"/>
+                      </p:stCondLst>
+                      <p:childTnLst>
+                        <p:par>
+                          <p:cTn id="18" fill="hold">
+                            <p:stCondLst>
+                              <p:cond delay="0"/>
+                            </p:stCondLst>
+                            <p:childTnLst>
+                              <p:par>
+                                <p:cTn id="19" presetID="1" presetClass="entr" presetSubtype="0" fill="hold" grpId="0" nodeType="clickEffect">
+                                  <p:stCondLst>
+                                    <p:cond delay="0"/>
+                                  </p:stCondLst>
+                                  <p:childTnLst>
+                                    <p:set>
+                                      <p:cBhvr>
+                                        <p:cTn id="20" dur="1" fill="hold">
+                                          <p:stCondLst>
+                                            <p:cond delay="0"/>
+                                          </p:stCondLst>
+                                        </p:cTn>
+                                        <p:tgtEl>
+                                          <p:spTgt spid="21"/>
+                                        </p:tgtEl>
+                                        <p:attrNameLst>
+                                          <p:attrName>style.visibility</p:attrName>
+                                        </p:attrNameLst>
+                                      </p:cBhvr>
+                                      <p:to>
+                                        <p:strVal val="visible"/>
+                                      </p:to>
+                                    </p:set>
+                                  </p:childTnLst>
+                                </p:cTn>
+                              </p:par>
+                              <p:par>
+                                <p:cTn id="21" presetID="1" presetClass="exit" presetSubtype="0" fill="hold" nodeType="withEffect">
+                                  <p:stCondLst>
+                                    <p:cond delay="0"/>
+                                  </p:stCondLst>
+                                  <p:childTnLst>
+                                    <p:set>
+                                      <p:cBhvr>
+                                        <p:cTn id="22" dur="1" fill="hold">
+                                          <p:stCondLst>
+                                            <p:cond delay="0"/>
+                                          </p:stCondLst>
+                                        </p:cTn>
+                                        <p:tgtEl>
+                                          <p:spTgt spid="22"/>
+                                        </p:tgtEl>
+                                        <p:attrNameLst>
+                                          <p:attrName>style.visibility</p:attrName>
+                                        </p:attrNameLst>
+                                      </p:cBhvr>
+                                      <p:to>
+                                        <p:strVal val="hidden"/>
+                                      </p:to>
+                                    </p:set>
+                                  </p:childTnLst>
+                                </p:cTn>
+                              </p:par>
+                              <p:par>
+                                <p:cTn id="23" presetID="1" presetClass="entr" presetSubtype="0" fill="hold" nodeType="withEffect">
+                                  <p:stCondLst>
+                                    <p:cond delay="0"/>
+                                  </p:stCondLst>
+                                  <p:childTnLst>
+                                    <p:set>
+                                      <p:cBhvr>
+                                        <p:cTn id="24" dur="1" fill="hold">
+                                          <p:stCondLst>
+                                            <p:cond delay="0"/>
+                                          </p:stCondLst>
+                                        </p:cTn>
+                                        <p:tgtEl>
+                                          <p:spTgt spid="34"/>
+                                        </p:tgtEl>
+                                        <p:attrNameLst>
+                                          <p:attrName>style.visibility</p:attrName>
+                                        </p:attrNameLst>
+                                      </p:cBhvr>
+                                      <p:to>
+                                        <p:strVal val="visible"/>
+                                      </p:to>
+                                    </p:set>
+                                  </p:childTnLst>
+                                </p:cTn>
+                              </p:par>
+                            </p:childTnLst>
+                          </p:cTn>
+                        </p:par>
+                      </p:childTnLst>
+                    </p:cTn>
+                  </p:par>
+                </p:childTnLst>
+              </p:cTn>
+              <p:prevCondLst>
+                <p:cond evt="onPrev" delay="0">
+                  <p:tgtEl>
+                    <p:sldTgt/>
+                  </p:tgtEl>
+                </p:cond>
+              </p:prevCondLst>
+              <p:nextCondLst>
+                <p:cond evt="onNext" delay="0">
+                  <p:tgtEl>
+                    <p:sldTgt/>
+                  </p:tgtEl>
+                </p:cond>
+              </p:nextCondLst>
+            </p:seq>
+          </p:childTnLst>
+        </p:cTn>
+      </p:par>
+    </p:tnLst>
+    <p:bldLst>
+      <p:bldP spid="18" grpId="0"/>
+      <p:bldP spid="21" grpId="0"/>
+      <p:bldP spid="20" grpId="0"/>
+    </p:bldLst>
+  </p:timing>
+</p:sld>
+</file>
+
 <file path=ppt/theme/theme1.xml><?xml version="1.0" encoding="utf-8"?>
 <a:theme xmlns:a="http://schemas.openxmlformats.org/drawingml/2006/main" name="Integral">
   <a:themeElements>
@@ -25451,12 +27814,12 @@
 </file>
 
 <file path=customXml/item1.xml><?xml version="1.0" encoding="utf-8"?>
-<p:properties xmlns:p="http://schemas.microsoft.com/office/2006/metadata/properties" xmlns:xsi="http://www.w3.org/2001/XMLSchema-instance" xmlns:pc="http://schemas.microsoft.com/office/infopath/2007/PartnerControls">
-  <documentManagement>
-    <Status xmlns="71af3243-3dd4-4a8d-8c0d-dd76da1f02a5">Not started</Status>
-    <MediaServiceKeyPoints xmlns="71af3243-3dd4-4a8d-8c0d-dd76da1f02a5" xsi:nil="true"/>
-  </documentManagement>
-</p:properties>
+<?mso-contentType ?>
+<FormTemplates xmlns="http://schemas.microsoft.com/sharepoint/v3/contenttype/forms">
+  <Display>DocumentLibraryForm</Display>
+  <Edit>DocumentLibraryForm</Edit>
+  <New>DocumentLibraryForm</New>
+</FormTemplates>
 </file>
 
 <file path=customXml/item2.xml><?xml version="1.0" encoding="utf-8"?>
@@ -25681,20 +28044,18 @@
 </file>
 
 <file path=customXml/item3.xml><?xml version="1.0" encoding="utf-8"?>
-<?mso-contentType ?>
-<FormTemplates xmlns="http://schemas.microsoft.com/sharepoint/v3/contenttype/forms">
-  <Display>DocumentLibraryForm</Display>
-  <Edit>DocumentLibraryForm</Edit>
-  <New>DocumentLibraryForm</New>
-</FormTemplates>
+<p:properties xmlns:p="http://schemas.microsoft.com/office/2006/metadata/properties" xmlns:xsi="http://www.w3.org/2001/XMLSchema-instance" xmlns:pc="http://schemas.microsoft.com/office/infopath/2007/PartnerControls">
+  <documentManagement>
+    <Status xmlns="71af3243-3dd4-4a8d-8c0d-dd76da1f02a5">Not started</Status>
+    <MediaServiceKeyPoints xmlns="71af3243-3dd4-4a8d-8c0d-dd76da1f02a5" xsi:nil="true"/>
+  </documentManagement>
+</p:properties>
 </file>
 
 <file path=customXml/itemProps1.xml><?xml version="1.0" encoding="utf-8"?>
-<ds:datastoreItem xmlns:ds="http://schemas.openxmlformats.org/officeDocument/2006/customXml" ds:itemID="{137651BA-F45C-4845-9AB3-E0A65B39F5E1}">
+<ds:datastoreItem xmlns:ds="http://schemas.openxmlformats.org/officeDocument/2006/customXml" ds:itemID="{CDB58277-F8DF-46FF-84EC-EF41B835E69F}">
   <ds:schemaRefs>
-    <ds:schemaRef ds:uri="http://schemas.microsoft.com/office/2006/metadata/properties"/>
-    <ds:schemaRef ds:uri="http://schemas.microsoft.com/office/infopath/2007/PartnerControls"/>
-    <ds:schemaRef ds:uri="71af3243-3dd4-4a8d-8c0d-dd76da1f02a5"/>
+    <ds:schemaRef ds:uri="http://schemas.microsoft.com/sharepoint/v3/contenttype/forms"/>
   </ds:schemaRefs>
 </ds:datastoreItem>
 </file>
@@ -25719,9 +28080,11 @@
 </file>
 
 <file path=customXml/itemProps3.xml><?xml version="1.0" encoding="utf-8"?>
-<ds:datastoreItem xmlns:ds="http://schemas.openxmlformats.org/officeDocument/2006/customXml" ds:itemID="{CDB58277-F8DF-46FF-84EC-EF41B835E69F}">
+<ds:datastoreItem xmlns:ds="http://schemas.openxmlformats.org/officeDocument/2006/customXml" ds:itemID="{137651BA-F45C-4845-9AB3-E0A65B39F5E1}">
   <ds:schemaRefs>
-    <ds:schemaRef ds:uri="http://schemas.microsoft.com/sharepoint/v3/contenttype/forms"/>
+    <ds:schemaRef ds:uri="http://schemas.microsoft.com/office/2006/metadata/properties"/>
+    <ds:schemaRef ds:uri="http://schemas.microsoft.com/office/infopath/2007/PartnerControls"/>
+    <ds:schemaRef ds:uri="71af3243-3dd4-4a8d-8c0d-dd76da1f02a5"/>
   </ds:schemaRefs>
 </ds:datastoreItem>
 </file>
--- a/docs/Winter/FINALDEMOPRES.pptx
+++ b/docs/Winter/FINALDEMOPRES.pptx
@@ -24474,6 +24474,74 @@
           </a:p>
         </p:txBody>
       </p:sp>
+      <p:sp>
+        <p:nvSpPr>
+          <p:cNvPr id="15" name="TextBox 14">
+            <a:extLst>
+              <a:ext uri="{FF2B5EF4-FFF2-40B4-BE49-F238E27FC236}">
+                <a16:creationId xmlns:a16="http://schemas.microsoft.com/office/drawing/2014/main" id="{904D039A-D3AC-4106-9736-45A2583687A1}"/>
+              </a:ext>
+            </a:extLst>
+          </p:cNvPr>
+          <p:cNvSpPr txBox="1"/>
+          <p:nvPr/>
+        </p:nvSpPr>
+        <p:spPr>
+          <a:xfrm>
+            <a:off x="948978" y="4687291"/>
+            <a:ext cx="4180070" cy="369332"/>
+          </a:xfrm>
+          <a:prstGeom prst="rect">
+            <a:avLst/>
+          </a:prstGeom>
+          <a:noFill/>
+        </p:spPr>
+        <p:txBody>
+          <a:bodyPr wrap="square" rtlCol="0">
+            <a:spAutoFit/>
+          </a:bodyPr>
+          <a:lstStyle/>
+          <a:p>
+            <a:r>
+              <a:rPr lang="en-US" dirty="0">
+                <a:latin typeface="Times New Roman" panose="02020603050405020304" pitchFamily="18" charset="0"/>
+                <a:cs typeface="Times New Roman" panose="02020603050405020304" pitchFamily="18" charset="0"/>
+              </a:rPr>
+              <a:t>Node.JS Cognito AUTH</a:t>
+            </a:r>
+          </a:p>
+        </p:txBody>
+      </p:sp>
+      <p:pic>
+        <p:nvPicPr>
+          <p:cNvPr id="4" name="Picture 3">
+            <a:extLst>
+              <a:ext uri="{FF2B5EF4-FFF2-40B4-BE49-F238E27FC236}">
+                <a16:creationId xmlns:a16="http://schemas.microsoft.com/office/drawing/2014/main" id="{93B35044-0C8D-4D80-9BB9-2A3DFCDB50CD}"/>
+              </a:ext>
+            </a:extLst>
+          </p:cNvPr>
+          <p:cNvPicPr>
+            <a:picLocks noChangeAspect="1"/>
+          </p:cNvPicPr>
+          <p:nvPr/>
+        </p:nvPicPr>
+        <p:blipFill>
+          <a:blip r:embed="rId9"/>
+          <a:stretch>
+            <a:fillRect/>
+          </a:stretch>
+        </p:blipFill>
+        <p:spPr>
+          <a:xfrm>
+            <a:off x="5039316" y="2322503"/>
+            <a:ext cx="5829300" cy="2181225"/>
+          </a:xfrm>
+          <a:prstGeom prst="rect">
+            <a:avLst/>
+          </a:prstGeom>
+        </p:spPr>
+      </p:pic>
     </p:spTree>
     <p:extLst>
       <p:ext uri="{BB962C8B-B14F-4D97-AF65-F5344CB8AC3E}">
@@ -25023,6 +25091,159 @@
                       </p:childTnLst>
                     </p:cTn>
                   </p:par>
+                  <p:par>
+                    <p:cTn id="45" fill="hold">
+                      <p:stCondLst>
+                        <p:cond delay="indefinite"/>
+                      </p:stCondLst>
+                      <p:childTnLst>
+                        <p:par>
+                          <p:cTn id="46" fill="hold">
+                            <p:stCondLst>
+                              <p:cond delay="0"/>
+                            </p:stCondLst>
+                            <p:childTnLst>
+                              <p:par>
+                                <p:cTn id="47" presetID="1" presetClass="exit" presetSubtype="0" fill="hold" grpId="1" nodeType="clickEffect">
+                                  <p:stCondLst>
+                                    <p:cond delay="0"/>
+                                  </p:stCondLst>
+                                  <p:childTnLst>
+                                    <p:set>
+                                      <p:cBhvr>
+                                        <p:cTn id="48" dur="1" fill="hold">
+                                          <p:stCondLst>
+                                            <p:cond delay="0"/>
+                                          </p:stCondLst>
+                                        </p:cTn>
+                                        <p:tgtEl>
+                                          <p:spTgt spid="28"/>
+                                        </p:tgtEl>
+                                        <p:attrNameLst>
+                                          <p:attrName>style.visibility</p:attrName>
+                                        </p:attrNameLst>
+                                      </p:cBhvr>
+                                      <p:to>
+                                        <p:strVal val="hidden"/>
+                                      </p:to>
+                                    </p:set>
+                                  </p:childTnLst>
+                                </p:cTn>
+                              </p:par>
+                              <p:par>
+                                <p:cTn id="49" presetID="1" presetClass="exit" presetSubtype="0" fill="hold" nodeType="withEffect">
+                                  <p:stCondLst>
+                                    <p:cond delay="0"/>
+                                  </p:stCondLst>
+                                  <p:childTnLst>
+                                    <p:set>
+                                      <p:cBhvr>
+                                        <p:cTn id="50" dur="1" fill="hold">
+                                          <p:stCondLst>
+                                            <p:cond delay="0"/>
+                                          </p:stCondLst>
+                                        </p:cTn>
+                                        <p:tgtEl>
+                                          <p:spTgt spid="27"/>
+                                        </p:tgtEl>
+                                        <p:attrNameLst>
+                                          <p:attrName>style.visibility</p:attrName>
+                                        </p:attrNameLst>
+                                      </p:cBhvr>
+                                      <p:to>
+                                        <p:strVal val="hidden"/>
+                                      </p:to>
+                                    </p:set>
+                                  </p:childTnLst>
+                                </p:cTn>
+                              </p:par>
+                              <p:par>
+                                <p:cTn id="51" presetID="1" presetClass="exit" presetSubtype="0" fill="hold" nodeType="withEffect">
+                                  <p:stCondLst>
+                                    <p:cond delay="0"/>
+                                  </p:stCondLst>
+                                  <p:childTnLst>
+                                    <p:set>
+                                      <p:cBhvr>
+                                        <p:cTn id="52" dur="1" fill="hold">
+                                          <p:stCondLst>
+                                            <p:cond delay="0"/>
+                                          </p:stCondLst>
+                                        </p:cTn>
+                                        <p:tgtEl>
+                                          <p:spTgt spid="25"/>
+                                        </p:tgtEl>
+                                        <p:attrNameLst>
+                                          <p:attrName>style.visibility</p:attrName>
+                                        </p:attrNameLst>
+                                      </p:cBhvr>
+                                      <p:to>
+                                        <p:strVal val="hidden"/>
+                                      </p:to>
+                                    </p:set>
+                                  </p:childTnLst>
+                                </p:cTn>
+                              </p:par>
+                              <p:par>
+                                <p:cTn id="53" presetID="1" presetClass="entr" presetSubtype="0" fill="hold" grpId="0" nodeType="withEffect">
+                                  <p:stCondLst>
+                                    <p:cond delay="0"/>
+                                  </p:stCondLst>
+                                  <p:childTnLst>
+                                    <p:set>
+                                      <p:cBhvr>
+                                        <p:cTn id="54" dur="1" fill="hold">
+                                          <p:stCondLst>
+                                            <p:cond delay="0"/>
+                                          </p:stCondLst>
+                                        </p:cTn>
+                                        <p:tgtEl>
+                                          <p:spTgt spid="15"/>
+                                        </p:tgtEl>
+                                        <p:attrNameLst>
+                                          <p:attrName>style.visibility</p:attrName>
+                                        </p:attrNameLst>
+                                      </p:cBhvr>
+                                      <p:to>
+                                        <p:strVal val="visible"/>
+                                      </p:to>
+                                    </p:set>
+                                  </p:childTnLst>
+                                </p:cTn>
+                              </p:par>
+                              <p:par>
+                                <p:cTn id="55" presetID="1" presetClass="entr" presetSubtype="0" fill="hold" nodeType="withEffect">
+                                  <p:stCondLst>
+                                    <p:cond delay="0"/>
+                                  </p:stCondLst>
+                                  <p:childTnLst>
+                                    <p:set>
+                                      <p:cBhvr>
+                                        <p:cTn id="56" dur="1" fill="hold">
+                                          <p:stCondLst>
+                                            <p:cond delay="0"/>
+                                          </p:stCondLst>
+                                        </p:cTn>
+                                        <p:tgtEl>
+                                          <p:spTgt spid="4"/>
+                                        </p:tgtEl>
+                                        <p:attrNameLst>
+                                          <p:attrName>style.visibility</p:attrName>
+                                        </p:attrNameLst>
+                                      </p:cBhvr>
+                                      <p:to>
+                                        <p:strVal val="visible"/>
+                                      </p:to>
+                                    </p:set>
+                                  </p:childTnLst>
+                                </p:cTn>
+                              </p:par>
+                            </p:childTnLst>
+                          </p:cTn>
+                        </p:par>
+                      </p:childTnLst>
+                    </p:cTn>
+                  </p:par>
                 </p:childTnLst>
               </p:cTn>
               <p:prevCondLst>
@@ -25052,6 +25273,8 @@
       <p:bldP spid="23" grpId="0"/>
       <p:bldP spid="23" grpId="1"/>
       <p:bldP spid="28" grpId="0"/>
+      <p:bldP spid="28" grpId="1"/>
+      <p:bldP spid="15" grpId="0"/>
     </p:bldLst>
   </p:timing>
 </p:sld>

--- a/docs/Winter/FINALDEMOPRES.pptx
+++ b/docs/Winter/FINALDEMOPRES.pptx
@@ -24514,10 +24514,10 @@
       </p:sp>
       <p:pic>
         <p:nvPicPr>
-          <p:cNvPr id="4" name="Picture 3">
+          <p:cNvPr id="6" name="Picture 5">
             <a:extLst>
               <a:ext uri="{FF2B5EF4-FFF2-40B4-BE49-F238E27FC236}">
-                <a16:creationId xmlns:a16="http://schemas.microsoft.com/office/drawing/2014/main" id="{93B35044-0C8D-4D80-9BB9-2A3DFCDB50CD}"/>
+                <a16:creationId xmlns:a16="http://schemas.microsoft.com/office/drawing/2014/main" id="{8766CF58-E7FA-445C-9FD3-246A0FE077A4}"/>
               </a:ext>
             </a:extLst>
           </p:cNvPr>
@@ -24534,8 +24534,8 @@
         </p:blipFill>
         <p:spPr>
           <a:xfrm>
-            <a:off x="5039316" y="2322503"/>
-            <a:ext cx="5829300" cy="2181225"/>
+            <a:off x="5030600" y="2299869"/>
+            <a:ext cx="5857875" cy="2085975"/>
           </a:xfrm>
           <a:prstGeom prst="rect">
             <a:avLst/>
@@ -25225,7 +25225,7 @@
                                           </p:stCondLst>
                                         </p:cTn>
                                         <p:tgtEl>
-                                          <p:spTgt spid="4"/>
+                                          <p:spTgt spid="6"/>
                                         </p:tgtEl>
                                         <p:attrNameLst>
                                           <p:attrName>style.visibility</p:attrName>
@@ -28037,12 +28037,12 @@
 </file>
 
 <file path=customXml/item1.xml><?xml version="1.0" encoding="utf-8"?>
-<?mso-contentType ?>
-<FormTemplates xmlns="http://schemas.microsoft.com/sharepoint/v3/contenttype/forms">
-  <Display>DocumentLibraryForm</Display>
-  <Edit>DocumentLibraryForm</Edit>
-  <New>DocumentLibraryForm</New>
-</FormTemplates>
+<p:properties xmlns:p="http://schemas.microsoft.com/office/2006/metadata/properties" xmlns:xsi="http://www.w3.org/2001/XMLSchema-instance" xmlns:pc="http://schemas.microsoft.com/office/infopath/2007/PartnerControls">
+  <documentManagement>
+    <Status xmlns="71af3243-3dd4-4a8d-8c0d-dd76da1f02a5">Not started</Status>
+    <MediaServiceKeyPoints xmlns="71af3243-3dd4-4a8d-8c0d-dd76da1f02a5" xsi:nil="true"/>
+  </documentManagement>
+</p:properties>
 </file>
 
 <file path=customXml/item2.xml><?xml version="1.0" encoding="utf-8"?>
@@ -28267,18 +28267,20 @@
 </file>
 
 <file path=customXml/item3.xml><?xml version="1.0" encoding="utf-8"?>
-<p:properties xmlns:p="http://schemas.microsoft.com/office/2006/metadata/properties" xmlns:xsi="http://www.w3.org/2001/XMLSchema-instance" xmlns:pc="http://schemas.microsoft.com/office/infopath/2007/PartnerControls">
-  <documentManagement>
-    <Status xmlns="71af3243-3dd4-4a8d-8c0d-dd76da1f02a5">Not started</Status>
-    <MediaServiceKeyPoints xmlns="71af3243-3dd4-4a8d-8c0d-dd76da1f02a5" xsi:nil="true"/>
-  </documentManagement>
-</p:properties>
+<?mso-contentType ?>
+<FormTemplates xmlns="http://schemas.microsoft.com/sharepoint/v3/contenttype/forms">
+  <Display>DocumentLibraryForm</Display>
+  <Edit>DocumentLibraryForm</Edit>
+  <New>DocumentLibraryForm</New>
+</FormTemplates>
 </file>
 
 <file path=customXml/itemProps1.xml><?xml version="1.0" encoding="utf-8"?>
-<ds:datastoreItem xmlns:ds="http://schemas.openxmlformats.org/officeDocument/2006/customXml" ds:itemID="{CDB58277-F8DF-46FF-84EC-EF41B835E69F}">
+<ds:datastoreItem xmlns:ds="http://schemas.openxmlformats.org/officeDocument/2006/customXml" ds:itemID="{137651BA-F45C-4845-9AB3-E0A65B39F5E1}">
   <ds:schemaRefs>
-    <ds:schemaRef ds:uri="http://schemas.microsoft.com/sharepoint/v3/contenttype/forms"/>
+    <ds:schemaRef ds:uri="http://schemas.microsoft.com/office/2006/metadata/properties"/>
+    <ds:schemaRef ds:uri="http://schemas.microsoft.com/office/infopath/2007/PartnerControls"/>
+    <ds:schemaRef ds:uri="71af3243-3dd4-4a8d-8c0d-dd76da1f02a5"/>
   </ds:schemaRefs>
 </ds:datastoreItem>
 </file>
@@ -28303,11 +28305,9 @@
 </file>
 
 <file path=customXml/itemProps3.xml><?xml version="1.0" encoding="utf-8"?>
-<ds:datastoreItem xmlns:ds="http://schemas.openxmlformats.org/officeDocument/2006/customXml" ds:itemID="{137651BA-F45C-4845-9AB3-E0A65B39F5E1}">
+<ds:datastoreItem xmlns:ds="http://schemas.openxmlformats.org/officeDocument/2006/customXml" ds:itemID="{CDB58277-F8DF-46FF-84EC-EF41B835E69F}">
   <ds:schemaRefs>
-    <ds:schemaRef ds:uri="http://schemas.microsoft.com/office/2006/metadata/properties"/>
-    <ds:schemaRef ds:uri="http://schemas.microsoft.com/office/infopath/2007/PartnerControls"/>
-    <ds:schemaRef ds:uri="71af3243-3dd4-4a8d-8c0d-dd76da1f02a5"/>
+    <ds:schemaRef ds:uri="http://schemas.microsoft.com/sharepoint/v3/contenttype/forms"/>
   </ds:schemaRefs>
 </ds:datastoreItem>
 </file>